--- a/ing.pptx
+++ b/ing.pptx
@@ -265,7 +265,7 @@
           <a:p>
             <a:fld id="{8A3E2FCF-DE39-4AB5-BBE9-97072A214ACE}" type="datetimeFigureOut">
               <a:rPr kumimoji="1" lang="ja-JP" altLang="en-US" smtClean="0"/>
-              <a:t>2022/3/7</a:t>
+              <a:t>2022/3/8</a:t>
             </a:fld>
             <a:endParaRPr kumimoji="1" lang="ja-JP" altLang="en-US"/>
           </a:p>
@@ -495,7 +495,7 @@
           <a:p>
             <a:fld id="{8A3E2FCF-DE39-4AB5-BBE9-97072A214ACE}" type="datetimeFigureOut">
               <a:rPr kumimoji="1" lang="ja-JP" altLang="en-US" smtClean="0"/>
-              <a:t>2022/3/7</a:t>
+              <a:t>2022/3/8</a:t>
             </a:fld>
             <a:endParaRPr kumimoji="1" lang="ja-JP" altLang="en-US"/>
           </a:p>
@@ -735,7 +735,7 @@
           <a:p>
             <a:fld id="{8A3E2FCF-DE39-4AB5-BBE9-97072A214ACE}" type="datetimeFigureOut">
               <a:rPr kumimoji="1" lang="ja-JP" altLang="en-US" smtClean="0"/>
-              <a:t>2022/3/7</a:t>
+              <a:t>2022/3/8</a:t>
             </a:fld>
             <a:endParaRPr kumimoji="1" lang="ja-JP" altLang="en-US"/>
           </a:p>
@@ -965,7 +965,7 @@
           <a:p>
             <a:fld id="{8A3E2FCF-DE39-4AB5-BBE9-97072A214ACE}" type="datetimeFigureOut">
               <a:rPr kumimoji="1" lang="ja-JP" altLang="en-US" smtClean="0"/>
-              <a:t>2022/3/7</a:t>
+              <a:t>2022/3/8</a:t>
             </a:fld>
             <a:endParaRPr kumimoji="1" lang="ja-JP" altLang="en-US"/>
           </a:p>
@@ -1240,7 +1240,7 @@
           <a:p>
             <a:fld id="{8A3E2FCF-DE39-4AB5-BBE9-97072A214ACE}" type="datetimeFigureOut">
               <a:rPr kumimoji="1" lang="ja-JP" altLang="en-US" smtClean="0"/>
-              <a:t>2022/3/7</a:t>
+              <a:t>2022/3/8</a:t>
             </a:fld>
             <a:endParaRPr kumimoji="1" lang="ja-JP" altLang="en-US"/>
           </a:p>
@@ -1569,7 +1569,7 @@
           <a:p>
             <a:fld id="{8A3E2FCF-DE39-4AB5-BBE9-97072A214ACE}" type="datetimeFigureOut">
               <a:rPr kumimoji="1" lang="ja-JP" altLang="en-US" smtClean="0"/>
-              <a:t>2022/3/7</a:t>
+              <a:t>2022/3/8</a:t>
             </a:fld>
             <a:endParaRPr kumimoji="1" lang="ja-JP" altLang="en-US"/>
           </a:p>
@@ -2045,7 +2045,7 @@
           <a:p>
             <a:fld id="{8A3E2FCF-DE39-4AB5-BBE9-97072A214ACE}" type="datetimeFigureOut">
               <a:rPr kumimoji="1" lang="ja-JP" altLang="en-US" smtClean="0"/>
-              <a:t>2022/3/7</a:t>
+              <a:t>2022/3/8</a:t>
             </a:fld>
             <a:endParaRPr kumimoji="1" lang="ja-JP" altLang="en-US"/>
           </a:p>
@@ -2186,7 +2186,7 @@
           <a:p>
             <a:fld id="{8A3E2FCF-DE39-4AB5-BBE9-97072A214ACE}" type="datetimeFigureOut">
               <a:rPr kumimoji="1" lang="ja-JP" altLang="en-US" smtClean="0"/>
-              <a:t>2022/3/7</a:t>
+              <a:t>2022/3/8</a:t>
             </a:fld>
             <a:endParaRPr kumimoji="1" lang="ja-JP" altLang="en-US"/>
           </a:p>
@@ -2299,7 +2299,7 @@
           <a:p>
             <a:fld id="{8A3E2FCF-DE39-4AB5-BBE9-97072A214ACE}" type="datetimeFigureOut">
               <a:rPr kumimoji="1" lang="ja-JP" altLang="en-US" smtClean="0"/>
-              <a:t>2022/3/7</a:t>
+              <a:t>2022/3/8</a:t>
             </a:fld>
             <a:endParaRPr kumimoji="1" lang="ja-JP" altLang="en-US"/>
           </a:p>
@@ -2642,7 +2642,7 @@
           <a:p>
             <a:fld id="{8A3E2FCF-DE39-4AB5-BBE9-97072A214ACE}" type="datetimeFigureOut">
               <a:rPr kumimoji="1" lang="ja-JP" altLang="en-US" smtClean="0"/>
-              <a:t>2022/3/7</a:t>
+              <a:t>2022/3/8</a:t>
             </a:fld>
             <a:endParaRPr kumimoji="1" lang="ja-JP" altLang="en-US"/>
           </a:p>
@@ -2930,7 +2930,7 @@
           <a:p>
             <a:fld id="{8A3E2FCF-DE39-4AB5-BBE9-97072A214ACE}" type="datetimeFigureOut">
               <a:rPr kumimoji="1" lang="ja-JP" altLang="en-US" smtClean="0"/>
-              <a:t>2022/3/7</a:t>
+              <a:t>2022/3/8</a:t>
             </a:fld>
             <a:endParaRPr kumimoji="1" lang="ja-JP" altLang="en-US"/>
           </a:p>
@@ -3203,7 +3203,7 @@
           <a:p>
             <a:fld id="{8A3E2FCF-DE39-4AB5-BBE9-97072A214ACE}" type="datetimeFigureOut">
               <a:rPr kumimoji="1" lang="ja-JP" altLang="en-US" smtClean="0"/>
-              <a:t>2022/3/7</a:t>
+              <a:t>2022/3/8</a:t>
             </a:fld>
             <a:endParaRPr kumimoji="1" lang="ja-JP" altLang="en-US"/>
           </a:p>
@@ -7338,10 +7338,10 @@
       </p:grpSpPr>
       <p:grpSp>
         <p:nvGrpSpPr>
-          <p:cNvPr id="8" name="グループ化 7">
+          <p:cNvPr id="10" name="グループ化 9">
             <a:extLst>
               <a:ext uri="{FF2B5EF4-FFF2-40B4-BE49-F238E27FC236}">
-                <a16:creationId xmlns:a16="http://schemas.microsoft.com/office/drawing/2014/main" id="{4C0F5793-E7B7-4A2F-88EC-07B18948790E}"/>
+                <a16:creationId xmlns:a16="http://schemas.microsoft.com/office/drawing/2014/main" id="{740E81B2-DFF7-4F32-B3D6-8CC6AE16DB76}"/>
               </a:ext>
             </a:extLst>
           </p:cNvPr>
@@ -7350,118 +7350,28 @@
         </p:nvGrpSpPr>
         <p:grpSpPr>
           <a:xfrm>
-            <a:off x="1025970" y="580332"/>
-            <a:ext cx="10140060" cy="5352878"/>
-            <a:chOff x="1025970" y="580332"/>
-            <a:chExt cx="10140060" cy="5352878"/>
+            <a:off x="618309" y="200297"/>
+            <a:ext cx="10964091" cy="6077371"/>
+            <a:chOff x="618309" y="200297"/>
+            <a:chExt cx="10964091" cy="6077371"/>
           </a:xfrm>
         </p:grpSpPr>
-        <p:pic>
-          <p:nvPicPr>
-            <p:cNvPr id="2" name="図 1">
+        <p:sp>
+          <p:nvSpPr>
+            <p:cNvPr id="9" name="正方形/長方形 8">
               <a:extLst>
                 <a:ext uri="{FF2B5EF4-FFF2-40B4-BE49-F238E27FC236}">
-                  <a16:creationId xmlns:a16="http://schemas.microsoft.com/office/drawing/2014/main" id="{03F9BC1D-BD85-42B7-9859-F78A9E15A785}"/>
+                  <a16:creationId xmlns:a16="http://schemas.microsoft.com/office/drawing/2014/main" id="{4E9A7B87-C6D8-4176-B0E5-F7CFCF7D6006}"/>
                 </a:ext>
               </a:extLst>
             </p:cNvPr>
-            <p:cNvPicPr>
-              <a:picLocks noChangeAspect="1"/>
-            </p:cNvPicPr>
-            <p:nvPr/>
-          </p:nvPicPr>
-          <p:blipFill>
-            <a:blip r:embed="rId2" cstate="print">
-              <a:extLst>
-                <a:ext uri="{28A0092B-C50C-407E-A947-70E740481C1C}">
-                  <a14:useLocalDpi xmlns:a14="http://schemas.microsoft.com/office/drawing/2010/main"/>
-                </a:ext>
-              </a:extLst>
-            </a:blip>
-            <a:srcRect/>
-            <a:stretch>
-              <a:fillRect/>
-            </a:stretch>
-          </p:blipFill>
-          <p:spPr bwMode="auto">
-            <a:xfrm>
-              <a:off x="1025970" y="580332"/>
-              <a:ext cx="10140060" cy="5352878"/>
-            </a:xfrm>
-            <a:prstGeom prst="rect">
-              <a:avLst/>
-            </a:prstGeom>
-            <a:noFill/>
-            <a:ln>
-              <a:noFill/>
-            </a:ln>
-          </p:spPr>
-        </p:pic>
-        <p:sp>
-          <p:nvSpPr>
-            <p:cNvPr id="3" name="テキスト ボックス 2">
-              <a:extLst>
-                <a:ext uri="{FF2B5EF4-FFF2-40B4-BE49-F238E27FC236}">
-                  <a16:creationId xmlns:a16="http://schemas.microsoft.com/office/drawing/2014/main" id="{B8569688-19E8-40C3-832C-99D6B1A18A03}"/>
-                </a:ext>
-              </a:extLst>
-            </p:cNvPr>
-            <p:cNvSpPr txBox="1"/>
+            <p:cNvSpPr/>
             <p:nvPr/>
           </p:nvSpPr>
           <p:spPr>
             <a:xfrm>
-              <a:off x="2113280" y="914860"/>
-              <a:ext cx="2418080" cy="646331"/>
-            </a:xfrm>
-            <a:prstGeom prst="rect">
-              <a:avLst/>
-            </a:prstGeom>
-            <a:solidFill>
-              <a:srgbClr val="FFA57D"/>
-            </a:solidFill>
-          </p:spPr>
-          <p:txBody>
-            <a:bodyPr wrap="square" rtlCol="0">
-              <a:spAutoFit/>
-            </a:bodyPr>
-            <a:lstStyle/>
-            <a:p>
-              <a:pPr algn="ctr"/>
-              <a:r>
-                <a:rPr lang="en-US" altLang="ja-JP" sz="3600" b="1" dirty="0">
-                  <a:latin typeface="Consolas" panose="020B0609020204030204" pitchFamily="49" charset="0"/>
-                </a:rPr>
-                <a:t>i</a:t>
-              </a:r>
-              <a:r>
-                <a:rPr kumimoji="1" lang="en-US" altLang="ja-JP" sz="3600" b="1" dirty="0">
-                  <a:latin typeface="Consolas" panose="020B0609020204030204" pitchFamily="49" charset="0"/>
-                </a:rPr>
-                <a:t>f(bool)</a:t>
-              </a:r>
-              <a:endParaRPr kumimoji="1" lang="ja-JP" altLang="en-US" sz="3600" b="1" dirty="0">
-                <a:latin typeface="Consolas" panose="020B0609020204030204" pitchFamily="49" charset="0"/>
-              </a:endParaRPr>
-            </a:p>
-          </p:txBody>
-        </p:sp>
-        <p:sp>
-          <p:nvSpPr>
-            <p:cNvPr id="4" name="テキスト ボックス 3">
-              <a:extLst>
-                <a:ext uri="{FF2B5EF4-FFF2-40B4-BE49-F238E27FC236}">
-                  <a16:creationId xmlns:a16="http://schemas.microsoft.com/office/drawing/2014/main" id="{3B94B3A9-983E-4255-9416-E42789B3EF24}"/>
-                </a:ext>
-              </a:extLst>
-            </p:cNvPr>
-            <p:cNvSpPr txBox="1"/>
-            <p:nvPr/>
-          </p:nvSpPr>
-          <p:spPr>
-            <a:xfrm>
-              <a:off x="1635760" y="2001980"/>
-              <a:ext cx="1564640" cy="646331"/>
+              <a:off x="618309" y="200297"/>
+              <a:ext cx="10964091" cy="6077371"/>
             </a:xfrm>
             <a:prstGeom prst="rect">
               <a:avLst/>
@@ -7469,169 +7379,332 @@
             <a:solidFill>
               <a:schemeClr val="bg1"/>
             </a:solidFill>
+            <a:ln>
+              <a:noFill/>
+            </a:ln>
           </p:spPr>
+          <p:style>
+            <a:lnRef idx="2">
+              <a:schemeClr val="accent1">
+                <a:shade val="50000"/>
+              </a:schemeClr>
+            </a:lnRef>
+            <a:fillRef idx="1">
+              <a:schemeClr val="accent1"/>
+            </a:fillRef>
+            <a:effectRef idx="0">
+              <a:schemeClr val="accent1"/>
+            </a:effectRef>
+            <a:fontRef idx="minor">
+              <a:schemeClr val="lt1"/>
+            </a:fontRef>
+          </p:style>
           <p:txBody>
-            <a:bodyPr wrap="square" rtlCol="0">
-              <a:spAutoFit/>
-            </a:bodyPr>
+            <a:bodyPr rtlCol="0" anchor="ctr"/>
             <a:lstStyle/>
             <a:p>
               <a:pPr algn="ctr"/>
-              <a:r>
-                <a:rPr kumimoji="1" lang="en-US" altLang="ja-JP" sz="3600" b="1" dirty="0">
-                  <a:latin typeface="Consolas" panose="020B0609020204030204" pitchFamily="49" charset="0"/>
-                </a:rPr>
-                <a:t>true</a:t>
-              </a:r>
-              <a:endParaRPr kumimoji="1" lang="ja-JP" altLang="en-US" sz="3600" b="1" dirty="0">
-                <a:latin typeface="Consolas" panose="020B0609020204030204" pitchFamily="49" charset="0"/>
-              </a:endParaRPr>
+              <a:endParaRPr kumimoji="1" lang="ja-JP" altLang="en-US"/>
             </a:p>
           </p:txBody>
         </p:sp>
-        <p:sp>
-          <p:nvSpPr>
-            <p:cNvPr id="5" name="テキスト ボックス 4">
+        <p:grpSp>
+          <p:nvGrpSpPr>
+            <p:cNvPr id="8" name="グループ化 7">
               <a:extLst>
                 <a:ext uri="{FF2B5EF4-FFF2-40B4-BE49-F238E27FC236}">
-                  <a16:creationId xmlns:a16="http://schemas.microsoft.com/office/drawing/2014/main" id="{693379F5-E73C-4BBC-A9A0-8123BDA5345B}"/>
+                  <a16:creationId xmlns:a16="http://schemas.microsoft.com/office/drawing/2014/main" id="{4C0F5793-E7B7-4A2F-88EC-07B18948790E}"/>
                 </a:ext>
               </a:extLst>
             </p:cNvPr>
-            <p:cNvSpPr txBox="1"/>
+            <p:cNvGrpSpPr/>
             <p:nvPr/>
-          </p:nvSpPr>
-          <p:spPr>
+          </p:nvGrpSpPr>
+          <p:grpSpPr>
             <a:xfrm>
-              <a:off x="8991600" y="2001979"/>
-              <a:ext cx="1564640" cy="646331"/>
+              <a:off x="1025970" y="580332"/>
+              <a:ext cx="10140060" cy="5352878"/>
+              <a:chOff x="1025970" y="580332"/>
+              <a:chExt cx="10140060" cy="5352878"/>
             </a:xfrm>
-            <a:prstGeom prst="rect">
-              <a:avLst/>
-            </a:prstGeom>
-            <a:solidFill>
-              <a:schemeClr val="bg1"/>
-            </a:solidFill>
-          </p:spPr>
-          <p:txBody>
-            <a:bodyPr wrap="square" rtlCol="0">
-              <a:spAutoFit/>
-            </a:bodyPr>
-            <a:lstStyle/>
-            <a:p>
-              <a:pPr algn="ctr"/>
-              <a:r>
-                <a:rPr kumimoji="1" lang="en-US" altLang="ja-JP" sz="3600" b="1" dirty="0">
+          </p:grpSpPr>
+          <p:pic>
+            <p:nvPicPr>
+              <p:cNvPr id="2" name="図 1">
+                <a:extLst>
+                  <a:ext uri="{FF2B5EF4-FFF2-40B4-BE49-F238E27FC236}">
+                    <a16:creationId xmlns:a16="http://schemas.microsoft.com/office/drawing/2014/main" id="{03F9BC1D-BD85-42B7-9859-F78A9E15A785}"/>
+                  </a:ext>
+                </a:extLst>
+              </p:cNvPr>
+              <p:cNvPicPr>
+                <a:picLocks noChangeAspect="1"/>
+              </p:cNvPicPr>
+              <p:nvPr/>
+            </p:nvPicPr>
+            <p:blipFill>
+              <a:blip r:embed="rId2" cstate="print">
+                <a:extLst>
+                  <a:ext uri="{28A0092B-C50C-407E-A947-70E740481C1C}">
+                    <a14:useLocalDpi xmlns:a14="http://schemas.microsoft.com/office/drawing/2010/main"/>
+                  </a:ext>
+                </a:extLst>
+              </a:blip>
+              <a:srcRect/>
+              <a:stretch>
+                <a:fillRect/>
+              </a:stretch>
+            </p:blipFill>
+            <p:spPr bwMode="auto">
+              <a:xfrm>
+                <a:off x="1025970" y="580332"/>
+                <a:ext cx="10140060" cy="5352878"/>
+              </a:xfrm>
+              <a:prstGeom prst="rect">
+                <a:avLst/>
+              </a:prstGeom>
+              <a:noFill/>
+              <a:ln>
+                <a:noFill/>
+              </a:ln>
+            </p:spPr>
+          </p:pic>
+          <p:sp>
+            <p:nvSpPr>
+              <p:cNvPr id="3" name="テキスト ボックス 2">
+                <a:extLst>
+                  <a:ext uri="{FF2B5EF4-FFF2-40B4-BE49-F238E27FC236}">
+                    <a16:creationId xmlns:a16="http://schemas.microsoft.com/office/drawing/2014/main" id="{B8569688-19E8-40C3-832C-99D6B1A18A03}"/>
+                  </a:ext>
+                </a:extLst>
+              </p:cNvPr>
+              <p:cNvSpPr txBox="1"/>
+              <p:nvPr/>
+            </p:nvSpPr>
+            <p:spPr>
+              <a:xfrm>
+                <a:off x="2113280" y="914860"/>
+                <a:ext cx="2418080" cy="646331"/>
+              </a:xfrm>
+              <a:prstGeom prst="rect">
+                <a:avLst/>
+              </a:prstGeom>
+              <a:solidFill>
+                <a:srgbClr val="FFA57D"/>
+              </a:solidFill>
+            </p:spPr>
+            <p:txBody>
+              <a:bodyPr wrap="square" rtlCol="0">
+                <a:spAutoFit/>
+              </a:bodyPr>
+              <a:lstStyle/>
+              <a:p>
+                <a:pPr algn="ctr"/>
+                <a:r>
+                  <a:rPr lang="en-US" altLang="ja-JP" sz="3600" b="1" dirty="0">
+                    <a:latin typeface="Consolas" panose="020B0609020204030204" pitchFamily="49" charset="0"/>
+                  </a:rPr>
+                  <a:t>i</a:t>
+                </a:r>
+                <a:r>
+                  <a:rPr kumimoji="1" lang="en-US" altLang="ja-JP" sz="3600" b="1" dirty="0">
+                    <a:latin typeface="Consolas" panose="020B0609020204030204" pitchFamily="49" charset="0"/>
+                  </a:rPr>
+                  <a:t>f(bool)</a:t>
+                </a:r>
+                <a:endParaRPr kumimoji="1" lang="ja-JP" altLang="en-US" sz="3600" b="1" dirty="0">
                   <a:latin typeface="Consolas" panose="020B0609020204030204" pitchFamily="49" charset="0"/>
-                </a:rPr>
-                <a:t>false</a:t>
-              </a:r>
-              <a:endParaRPr kumimoji="1" lang="ja-JP" altLang="en-US" sz="3600" b="1" dirty="0">
-                <a:latin typeface="Consolas" panose="020B0609020204030204" pitchFamily="49" charset="0"/>
-              </a:endParaRPr>
-            </a:p>
-          </p:txBody>
-        </p:sp>
-        <p:sp>
-          <p:nvSpPr>
-            <p:cNvPr id="6" name="テキスト ボックス 5">
-              <a:extLst>
-                <a:ext uri="{FF2B5EF4-FFF2-40B4-BE49-F238E27FC236}">
-                  <a16:creationId xmlns:a16="http://schemas.microsoft.com/office/drawing/2014/main" id="{B1EA49A9-8379-40C5-A62B-75006AC01997}"/>
-                </a:ext>
-              </a:extLst>
-            </p:cNvPr>
-            <p:cNvSpPr txBox="1"/>
-            <p:nvPr/>
-          </p:nvSpPr>
-          <p:spPr>
-            <a:xfrm>
-              <a:off x="2540000" y="3256771"/>
-              <a:ext cx="1564640" cy="646331"/>
-            </a:xfrm>
-            <a:prstGeom prst="rect">
-              <a:avLst/>
-            </a:prstGeom>
-            <a:solidFill>
-              <a:srgbClr val="7DC4FF"/>
-            </a:solidFill>
-          </p:spPr>
-          <p:txBody>
-            <a:bodyPr wrap="square" rtlCol="0">
-              <a:spAutoFit/>
-            </a:bodyPr>
-            <a:lstStyle/>
-            <a:p>
-              <a:pPr algn="ctr"/>
-              <a:r>
-                <a:rPr kumimoji="1" lang="ja-JP" altLang="en-US" sz="3600" b="1" dirty="0">
+                </a:endParaRPr>
+              </a:p>
+            </p:txBody>
+          </p:sp>
+          <p:sp>
+            <p:nvSpPr>
+              <p:cNvPr id="4" name="テキスト ボックス 3">
+                <a:extLst>
+                  <a:ext uri="{FF2B5EF4-FFF2-40B4-BE49-F238E27FC236}">
+                    <a16:creationId xmlns:a16="http://schemas.microsoft.com/office/drawing/2014/main" id="{3B94B3A9-983E-4255-9416-E42789B3EF24}"/>
+                  </a:ext>
+                </a:extLst>
+              </p:cNvPr>
+              <p:cNvSpPr txBox="1"/>
+              <p:nvPr/>
+            </p:nvSpPr>
+            <p:spPr>
+              <a:xfrm>
+                <a:off x="1635760" y="2001980"/>
+                <a:ext cx="1564640" cy="646331"/>
+              </a:xfrm>
+              <a:prstGeom prst="rect">
+                <a:avLst/>
+              </a:prstGeom>
+              <a:solidFill>
+                <a:schemeClr val="bg1"/>
+              </a:solidFill>
+            </p:spPr>
+            <p:txBody>
+              <a:bodyPr wrap="square" rtlCol="0">
+                <a:spAutoFit/>
+              </a:bodyPr>
+              <a:lstStyle/>
+              <a:p>
+                <a:pPr algn="ctr"/>
+                <a:r>
+                  <a:rPr kumimoji="1" lang="en-US" altLang="ja-JP" sz="3600" b="1" dirty="0">
+                    <a:latin typeface="Consolas" panose="020B0609020204030204" pitchFamily="49" charset="0"/>
+                  </a:rPr>
+                  <a:t>true</a:t>
+                </a:r>
+                <a:endParaRPr kumimoji="1" lang="ja-JP" altLang="en-US" sz="3600" b="1" dirty="0">
+                  <a:latin typeface="Consolas" panose="020B0609020204030204" pitchFamily="49" charset="0"/>
+                </a:endParaRPr>
+              </a:p>
+            </p:txBody>
+          </p:sp>
+          <p:sp>
+            <p:nvSpPr>
+              <p:cNvPr id="5" name="テキスト ボックス 4">
+                <a:extLst>
+                  <a:ext uri="{FF2B5EF4-FFF2-40B4-BE49-F238E27FC236}">
+                    <a16:creationId xmlns:a16="http://schemas.microsoft.com/office/drawing/2014/main" id="{693379F5-E73C-4BBC-A9A0-8123BDA5345B}"/>
+                  </a:ext>
+                </a:extLst>
+              </p:cNvPr>
+              <p:cNvSpPr txBox="1"/>
+              <p:nvPr/>
+            </p:nvSpPr>
+            <p:spPr>
+              <a:xfrm>
+                <a:off x="8991600" y="2001979"/>
+                <a:ext cx="1564640" cy="646331"/>
+              </a:xfrm>
+              <a:prstGeom prst="rect">
+                <a:avLst/>
+              </a:prstGeom>
+              <a:solidFill>
+                <a:schemeClr val="bg1"/>
+              </a:solidFill>
+            </p:spPr>
+            <p:txBody>
+              <a:bodyPr wrap="square" rtlCol="0">
+                <a:spAutoFit/>
+              </a:bodyPr>
+              <a:lstStyle/>
+              <a:p>
+                <a:pPr algn="ctr"/>
+                <a:r>
+                  <a:rPr kumimoji="1" lang="en-US" altLang="ja-JP" sz="3600" b="1" dirty="0">
+                    <a:latin typeface="Consolas" panose="020B0609020204030204" pitchFamily="49" charset="0"/>
+                  </a:rPr>
+                  <a:t>false</a:t>
+                </a:r>
+                <a:endParaRPr kumimoji="1" lang="ja-JP" altLang="en-US" sz="3600" b="1" dirty="0">
+                  <a:latin typeface="Consolas" panose="020B0609020204030204" pitchFamily="49" charset="0"/>
+                </a:endParaRPr>
+              </a:p>
+            </p:txBody>
+          </p:sp>
+          <p:sp>
+            <p:nvSpPr>
+              <p:cNvPr id="6" name="テキスト ボックス 5">
+                <a:extLst>
+                  <a:ext uri="{FF2B5EF4-FFF2-40B4-BE49-F238E27FC236}">
+                    <a16:creationId xmlns:a16="http://schemas.microsoft.com/office/drawing/2014/main" id="{B1EA49A9-8379-40C5-A62B-75006AC01997}"/>
+                  </a:ext>
+                </a:extLst>
+              </p:cNvPr>
+              <p:cNvSpPr txBox="1"/>
+              <p:nvPr/>
+            </p:nvSpPr>
+            <p:spPr>
+              <a:xfrm>
+                <a:off x="2540000" y="3256771"/>
+                <a:ext cx="1564640" cy="646331"/>
+              </a:xfrm>
+              <a:prstGeom prst="rect">
+                <a:avLst/>
+              </a:prstGeom>
+              <a:solidFill>
+                <a:srgbClr val="7DC4FF"/>
+              </a:solidFill>
+            </p:spPr>
+            <p:txBody>
+              <a:bodyPr wrap="square" rtlCol="0">
+                <a:spAutoFit/>
+              </a:bodyPr>
+              <a:lstStyle/>
+              <a:p>
+                <a:pPr algn="ctr"/>
+                <a:r>
+                  <a:rPr kumimoji="1" lang="ja-JP" altLang="en-US" sz="3600" b="1" dirty="0">
+                    <a:latin typeface="Consolas" panose="020B0609020204030204" pitchFamily="49" charset="0"/>
+                    <a:ea typeface="BIZ UDPゴシック" panose="020B0400000000000000" pitchFamily="50" charset="-128"/>
+                  </a:rPr>
+                  <a:t>処理</a:t>
+                </a:r>
+                <a:r>
+                  <a:rPr lang="en-US" altLang="ja-JP" sz="3600" b="1" dirty="0">
+                    <a:latin typeface="Consolas" panose="020B0609020204030204" pitchFamily="49" charset="0"/>
+                    <a:ea typeface="BIZ UDPゴシック" panose="020B0400000000000000" pitchFamily="50" charset="-128"/>
+                  </a:rPr>
+                  <a:t>A</a:t>
+                </a:r>
+                <a:endParaRPr kumimoji="1" lang="ja-JP" altLang="en-US" sz="3600" b="1" dirty="0">
                   <a:latin typeface="Consolas" panose="020B0609020204030204" pitchFamily="49" charset="0"/>
                   <a:ea typeface="BIZ UDPゴシック" panose="020B0400000000000000" pitchFamily="50" charset="-128"/>
-                </a:rPr>
-                <a:t>処理</a:t>
-              </a:r>
-              <a:r>
-                <a:rPr lang="en-US" altLang="ja-JP" sz="3600" b="1" dirty="0">
-                  <a:latin typeface="Consolas" panose="020B0609020204030204" pitchFamily="49" charset="0"/>
-                  <a:ea typeface="BIZ UDPゴシック" panose="020B0400000000000000" pitchFamily="50" charset="-128"/>
-                </a:rPr>
-                <a:t>A</a:t>
-              </a:r>
-              <a:endParaRPr kumimoji="1" lang="ja-JP" altLang="en-US" sz="3600" b="1" dirty="0">
-                <a:latin typeface="Consolas" panose="020B0609020204030204" pitchFamily="49" charset="0"/>
-                <a:ea typeface="BIZ UDPゴシック" panose="020B0400000000000000" pitchFamily="50" charset="-128"/>
-              </a:endParaRPr>
-            </a:p>
-          </p:txBody>
-        </p:sp>
-        <p:sp>
-          <p:nvSpPr>
-            <p:cNvPr id="7" name="テキスト ボックス 6">
-              <a:extLst>
-                <a:ext uri="{FF2B5EF4-FFF2-40B4-BE49-F238E27FC236}">
-                  <a16:creationId xmlns:a16="http://schemas.microsoft.com/office/drawing/2014/main" id="{185AB27B-637F-450A-8B19-6A9AD042DD94}"/>
-                </a:ext>
-              </a:extLst>
-            </p:cNvPr>
-            <p:cNvSpPr txBox="1"/>
-            <p:nvPr/>
-          </p:nvSpPr>
-          <p:spPr>
-            <a:xfrm>
-              <a:off x="8087362" y="3256770"/>
-              <a:ext cx="1564640" cy="646331"/>
-            </a:xfrm>
-            <a:prstGeom prst="rect">
-              <a:avLst/>
-            </a:prstGeom>
-            <a:solidFill>
-              <a:srgbClr val="7DC4FF"/>
-            </a:solidFill>
-          </p:spPr>
-          <p:txBody>
-            <a:bodyPr wrap="square" rtlCol="0">
-              <a:spAutoFit/>
-            </a:bodyPr>
-            <a:lstStyle/>
-            <a:p>
-              <a:pPr algn="ctr"/>
-              <a:r>
-                <a:rPr kumimoji="1" lang="ja-JP" altLang="en-US" sz="3600" b="1" dirty="0">
-                  <a:latin typeface="Consolas" panose="020B0609020204030204" pitchFamily="49" charset="0"/>
-                  <a:ea typeface="BIZ UDPゴシック" panose="020B0400000000000000" pitchFamily="50" charset="-128"/>
-                </a:rPr>
-                <a:t>処理</a:t>
-              </a:r>
-              <a:r>
-                <a:rPr kumimoji="1" lang="en-US" altLang="ja-JP" sz="3600" b="1" dirty="0">
-                  <a:latin typeface="Consolas" panose="020B0609020204030204" pitchFamily="49" charset="0"/>
-                  <a:ea typeface="BIZ UDPゴシック" panose="020B0400000000000000" pitchFamily="50" charset="-128"/>
-                </a:rPr>
-                <a:t>B</a:t>
-              </a:r>
-            </a:p>
-          </p:txBody>
-        </p:sp>
+                </a:endParaRPr>
+              </a:p>
+            </p:txBody>
+          </p:sp>
+          <p:sp>
+            <p:nvSpPr>
+              <p:cNvPr id="7" name="テキスト ボックス 6">
+                <a:extLst>
+                  <a:ext uri="{FF2B5EF4-FFF2-40B4-BE49-F238E27FC236}">
+                    <a16:creationId xmlns:a16="http://schemas.microsoft.com/office/drawing/2014/main" id="{185AB27B-637F-450A-8B19-6A9AD042DD94}"/>
+                  </a:ext>
+                </a:extLst>
+              </p:cNvPr>
+              <p:cNvSpPr txBox="1"/>
+              <p:nvPr/>
+            </p:nvSpPr>
+            <p:spPr>
+              <a:xfrm>
+                <a:off x="8087362" y="3256770"/>
+                <a:ext cx="1564640" cy="646331"/>
+              </a:xfrm>
+              <a:prstGeom prst="rect">
+                <a:avLst/>
+              </a:prstGeom>
+              <a:solidFill>
+                <a:srgbClr val="7DC4FF"/>
+              </a:solidFill>
+            </p:spPr>
+            <p:txBody>
+              <a:bodyPr wrap="square" rtlCol="0">
+                <a:spAutoFit/>
+              </a:bodyPr>
+              <a:lstStyle/>
+              <a:p>
+                <a:pPr algn="ctr"/>
+                <a:r>
+                  <a:rPr kumimoji="1" lang="ja-JP" altLang="en-US" sz="3600" b="1" dirty="0">
+                    <a:latin typeface="Consolas" panose="020B0609020204030204" pitchFamily="49" charset="0"/>
+                    <a:ea typeface="BIZ UDPゴシック" panose="020B0400000000000000" pitchFamily="50" charset="-128"/>
+                  </a:rPr>
+                  <a:t>処理</a:t>
+                </a:r>
+                <a:r>
+                  <a:rPr kumimoji="1" lang="en-US" altLang="ja-JP" sz="3600" b="1" dirty="0">
+                    <a:latin typeface="Consolas" panose="020B0609020204030204" pitchFamily="49" charset="0"/>
+                    <a:ea typeface="BIZ UDPゴシック" panose="020B0400000000000000" pitchFamily="50" charset="-128"/>
+                  </a:rPr>
+                  <a:t>B</a:t>
+                </a:r>
+              </a:p>
+            </p:txBody>
+          </p:sp>
+        </p:grpSp>
       </p:grpSp>
     </p:spTree>
     <p:extLst>
@@ -7665,10 +7738,10 @@
       </p:grpSpPr>
       <p:grpSp>
         <p:nvGrpSpPr>
-          <p:cNvPr id="8" name="グループ化 7">
+          <p:cNvPr id="10" name="グループ化 9">
             <a:extLst>
               <a:ext uri="{FF2B5EF4-FFF2-40B4-BE49-F238E27FC236}">
-                <a16:creationId xmlns:a16="http://schemas.microsoft.com/office/drawing/2014/main" id="{6DA0AC75-0284-4DBB-80D5-236DEEFFAA06}"/>
+                <a16:creationId xmlns:a16="http://schemas.microsoft.com/office/drawing/2014/main" id="{3E1DE2D3-3DB0-419F-8F66-7CF5CA1F0C60}"/>
               </a:ext>
             </a:extLst>
           </p:cNvPr>
@@ -7677,69 +7750,28 @@
         </p:nvGrpSpPr>
         <p:grpSpPr>
           <a:xfrm>
-            <a:off x="2485800" y="234949"/>
-            <a:ext cx="7613240" cy="6388099"/>
-            <a:chOff x="2485800" y="234949"/>
-            <a:chExt cx="7613240" cy="6388099"/>
+            <a:off x="2002971" y="234949"/>
+            <a:ext cx="8743406" cy="6479360"/>
+            <a:chOff x="2002971" y="234949"/>
+            <a:chExt cx="8743406" cy="6479360"/>
           </a:xfrm>
         </p:grpSpPr>
-        <p:pic>
-          <p:nvPicPr>
-            <p:cNvPr id="2" name="図 1">
+        <p:sp>
+          <p:nvSpPr>
+            <p:cNvPr id="9" name="正方形/長方形 8">
               <a:extLst>
                 <a:ext uri="{FF2B5EF4-FFF2-40B4-BE49-F238E27FC236}">
-                  <a16:creationId xmlns:a16="http://schemas.microsoft.com/office/drawing/2014/main" id="{C2BEAAF1-C478-457C-982A-E85451A68A04}"/>
+                  <a16:creationId xmlns:a16="http://schemas.microsoft.com/office/drawing/2014/main" id="{0EF1EB24-E66A-4695-8B95-73A78D8729FD}"/>
                 </a:ext>
               </a:extLst>
             </p:cNvPr>
-            <p:cNvPicPr>
-              <a:picLocks noChangeAspect="1"/>
-            </p:cNvPicPr>
-            <p:nvPr/>
-          </p:nvPicPr>
-          <p:blipFill>
-            <a:blip r:embed="rId2" cstate="print">
-              <a:extLst>
-                <a:ext uri="{28A0092B-C50C-407E-A947-70E740481C1C}">
-                  <a14:useLocalDpi xmlns:a14="http://schemas.microsoft.com/office/drawing/2010/main"/>
-                </a:ext>
-              </a:extLst>
-            </a:blip>
-            <a:srcRect/>
-            <a:stretch>
-              <a:fillRect/>
-            </a:stretch>
-          </p:blipFill>
-          <p:spPr bwMode="auto">
-            <a:xfrm flipH="1">
-              <a:off x="2485800" y="234949"/>
-              <a:ext cx="7220399" cy="6388099"/>
-            </a:xfrm>
-            <a:prstGeom prst="rect">
-              <a:avLst/>
-            </a:prstGeom>
-            <a:noFill/>
-            <a:ln>
-              <a:noFill/>
-            </a:ln>
-          </p:spPr>
-        </p:pic>
-        <p:sp>
-          <p:nvSpPr>
-            <p:cNvPr id="3" name="テキスト ボックス 2">
-              <a:extLst>
-                <a:ext uri="{FF2B5EF4-FFF2-40B4-BE49-F238E27FC236}">
-                  <a16:creationId xmlns:a16="http://schemas.microsoft.com/office/drawing/2014/main" id="{667A7AC0-89A8-44C3-B89A-28843F41F6BE}"/>
-                </a:ext>
-              </a:extLst>
-            </p:cNvPr>
-            <p:cNvSpPr txBox="1"/>
+            <p:cNvSpPr/>
             <p:nvPr/>
           </p:nvSpPr>
           <p:spPr>
             <a:xfrm>
-              <a:off x="4287520" y="2782669"/>
-              <a:ext cx="1564640" cy="646331"/>
+              <a:off x="2002971" y="234949"/>
+              <a:ext cx="8743406" cy="6479360"/>
             </a:xfrm>
             <a:prstGeom prst="rect">
               <a:avLst/>
@@ -7747,214 +7779,328 @@
             <a:solidFill>
               <a:schemeClr val="bg1"/>
             </a:solidFill>
+            <a:ln>
+              <a:noFill/>
+            </a:ln>
           </p:spPr>
+          <p:style>
+            <a:lnRef idx="2">
+              <a:schemeClr val="accent1">
+                <a:shade val="50000"/>
+              </a:schemeClr>
+            </a:lnRef>
+            <a:fillRef idx="1">
+              <a:schemeClr val="accent1"/>
+            </a:fillRef>
+            <a:effectRef idx="0">
+              <a:schemeClr val="accent1"/>
+            </a:effectRef>
+            <a:fontRef idx="minor">
+              <a:schemeClr val="lt1"/>
+            </a:fontRef>
+          </p:style>
           <p:txBody>
-            <a:bodyPr wrap="square" rtlCol="0">
-              <a:spAutoFit/>
-            </a:bodyPr>
+            <a:bodyPr rtlCol="0" anchor="ctr"/>
             <a:lstStyle/>
             <a:p>
               <a:pPr algn="ctr"/>
-              <a:r>
-                <a:rPr kumimoji="1" lang="en-US" altLang="ja-JP" sz="3600" b="1" dirty="0">
-                  <a:latin typeface="Consolas" panose="020B0609020204030204" pitchFamily="49" charset="0"/>
-                </a:rPr>
-                <a:t>true</a:t>
-              </a:r>
-              <a:endParaRPr kumimoji="1" lang="ja-JP" altLang="en-US" sz="3600" b="1" dirty="0">
-                <a:latin typeface="Consolas" panose="020B0609020204030204" pitchFamily="49" charset="0"/>
-              </a:endParaRPr>
+              <a:endParaRPr kumimoji="1" lang="ja-JP" altLang="en-US"/>
             </a:p>
           </p:txBody>
         </p:sp>
-        <p:sp>
-          <p:nvSpPr>
-            <p:cNvPr id="4" name="テキスト ボックス 3">
+        <p:grpSp>
+          <p:nvGrpSpPr>
+            <p:cNvPr id="8" name="グループ化 7">
               <a:extLst>
                 <a:ext uri="{FF2B5EF4-FFF2-40B4-BE49-F238E27FC236}">
-                  <a16:creationId xmlns:a16="http://schemas.microsoft.com/office/drawing/2014/main" id="{73EF8541-CEA1-4189-836D-58F87654F140}"/>
+                  <a16:creationId xmlns:a16="http://schemas.microsoft.com/office/drawing/2014/main" id="{6DA0AC75-0284-4DBB-80D5-236DEEFFAA06}"/>
                 </a:ext>
               </a:extLst>
             </p:cNvPr>
-            <p:cNvSpPr txBox="1"/>
+            <p:cNvGrpSpPr/>
             <p:nvPr/>
-          </p:nvSpPr>
-          <p:spPr>
+          </p:nvGrpSpPr>
+          <p:grpSpPr>
             <a:xfrm>
-              <a:off x="8534400" y="2781496"/>
-              <a:ext cx="1564640" cy="646331"/>
+              <a:off x="2485800" y="234949"/>
+              <a:ext cx="7613240" cy="6388099"/>
+              <a:chOff x="2485800" y="234949"/>
+              <a:chExt cx="7613240" cy="6388099"/>
             </a:xfrm>
-            <a:prstGeom prst="rect">
-              <a:avLst/>
-            </a:prstGeom>
-            <a:solidFill>
-              <a:schemeClr val="bg1"/>
-            </a:solidFill>
-          </p:spPr>
-          <p:txBody>
-            <a:bodyPr wrap="square" rtlCol="0">
-              <a:spAutoFit/>
-            </a:bodyPr>
-            <a:lstStyle/>
-            <a:p>
-              <a:pPr algn="ctr"/>
-              <a:r>
-                <a:rPr kumimoji="1" lang="en-US" altLang="ja-JP" sz="3600" b="1" dirty="0">
+          </p:grpSpPr>
+          <p:pic>
+            <p:nvPicPr>
+              <p:cNvPr id="2" name="図 1">
+                <a:extLst>
+                  <a:ext uri="{FF2B5EF4-FFF2-40B4-BE49-F238E27FC236}">
+                    <a16:creationId xmlns:a16="http://schemas.microsoft.com/office/drawing/2014/main" id="{C2BEAAF1-C478-457C-982A-E85451A68A04}"/>
+                  </a:ext>
+                </a:extLst>
+              </p:cNvPr>
+              <p:cNvPicPr>
+                <a:picLocks noChangeAspect="1"/>
+              </p:cNvPicPr>
+              <p:nvPr/>
+            </p:nvPicPr>
+            <p:blipFill>
+              <a:blip r:embed="rId2" cstate="print">
+                <a:extLst>
+                  <a:ext uri="{28A0092B-C50C-407E-A947-70E740481C1C}">
+                    <a14:useLocalDpi xmlns:a14="http://schemas.microsoft.com/office/drawing/2010/main"/>
+                  </a:ext>
+                </a:extLst>
+              </a:blip>
+              <a:srcRect/>
+              <a:stretch>
+                <a:fillRect/>
+              </a:stretch>
+            </p:blipFill>
+            <p:spPr bwMode="auto">
+              <a:xfrm flipH="1">
+                <a:off x="2485800" y="234949"/>
+                <a:ext cx="7220399" cy="6388099"/>
+              </a:xfrm>
+              <a:prstGeom prst="rect">
+                <a:avLst/>
+              </a:prstGeom>
+              <a:noFill/>
+              <a:ln>
+                <a:noFill/>
+              </a:ln>
+            </p:spPr>
+          </p:pic>
+          <p:sp>
+            <p:nvSpPr>
+              <p:cNvPr id="3" name="テキスト ボックス 2">
+                <a:extLst>
+                  <a:ext uri="{FF2B5EF4-FFF2-40B4-BE49-F238E27FC236}">
+                    <a16:creationId xmlns:a16="http://schemas.microsoft.com/office/drawing/2014/main" id="{667A7AC0-89A8-44C3-B89A-28843F41F6BE}"/>
+                  </a:ext>
+                </a:extLst>
+              </p:cNvPr>
+              <p:cNvSpPr txBox="1"/>
+              <p:nvPr/>
+            </p:nvSpPr>
+            <p:spPr>
+              <a:xfrm>
+                <a:off x="4287520" y="2782669"/>
+                <a:ext cx="1564640" cy="646331"/>
+              </a:xfrm>
+              <a:prstGeom prst="rect">
+                <a:avLst/>
+              </a:prstGeom>
+              <a:solidFill>
+                <a:schemeClr val="bg1"/>
+              </a:solidFill>
+            </p:spPr>
+            <p:txBody>
+              <a:bodyPr wrap="square" rtlCol="0">
+                <a:spAutoFit/>
+              </a:bodyPr>
+              <a:lstStyle/>
+              <a:p>
+                <a:pPr algn="ctr"/>
+                <a:r>
+                  <a:rPr kumimoji="1" lang="en-US" altLang="ja-JP" sz="3600" b="1" dirty="0">
+                    <a:latin typeface="Consolas" panose="020B0609020204030204" pitchFamily="49" charset="0"/>
+                  </a:rPr>
+                  <a:t>true</a:t>
+                </a:r>
+                <a:endParaRPr kumimoji="1" lang="ja-JP" altLang="en-US" sz="3600" b="1" dirty="0">
                   <a:latin typeface="Consolas" panose="020B0609020204030204" pitchFamily="49" charset="0"/>
-                </a:rPr>
-                <a:t>false</a:t>
-              </a:r>
-              <a:endParaRPr kumimoji="1" lang="ja-JP" altLang="en-US" sz="3600" b="1" dirty="0">
-                <a:latin typeface="Consolas" panose="020B0609020204030204" pitchFamily="49" charset="0"/>
-              </a:endParaRPr>
-            </a:p>
-          </p:txBody>
-        </p:sp>
-        <p:sp>
-          <p:nvSpPr>
-            <p:cNvPr id="5" name="テキスト ボックス 4">
-              <a:extLst>
-                <a:ext uri="{FF2B5EF4-FFF2-40B4-BE49-F238E27FC236}">
-                  <a16:creationId xmlns:a16="http://schemas.microsoft.com/office/drawing/2014/main" id="{30DF90A8-A0E7-42C6-B221-192DC10B61E4}"/>
-                </a:ext>
-              </a:extLst>
-            </p:cNvPr>
-            <p:cNvSpPr txBox="1"/>
-            <p:nvPr/>
-          </p:nvSpPr>
-          <p:spPr>
-            <a:xfrm>
-              <a:off x="5146039" y="1813561"/>
-              <a:ext cx="1610361" cy="518160"/>
-            </a:xfrm>
-            <a:prstGeom prst="rect">
-              <a:avLst/>
-            </a:prstGeom>
-            <a:solidFill>
-              <a:srgbClr val="FFA57D"/>
-            </a:solidFill>
-          </p:spPr>
-          <p:txBody>
-            <a:bodyPr wrap="square" rtlCol="0">
-              <a:spAutoFit/>
-            </a:bodyPr>
-            <a:lstStyle/>
-            <a:p>
-              <a:pPr algn="ctr"/>
-              <a:endParaRPr kumimoji="1" lang="ja-JP" altLang="en-US" sz="3600" b="1" dirty="0">
-                <a:latin typeface="Consolas" panose="020B0609020204030204" pitchFamily="49" charset="0"/>
-              </a:endParaRPr>
-            </a:p>
-          </p:txBody>
-        </p:sp>
-        <p:sp>
-          <p:nvSpPr>
-            <p:cNvPr id="6" name="テキスト ボックス 5">
-              <a:extLst>
-                <a:ext uri="{FF2B5EF4-FFF2-40B4-BE49-F238E27FC236}">
-                  <a16:creationId xmlns:a16="http://schemas.microsoft.com/office/drawing/2014/main" id="{9CD9F291-7130-4AD4-B00C-E8467FF386D7}"/>
-                </a:ext>
-              </a:extLst>
-            </p:cNvPr>
-            <p:cNvSpPr txBox="1"/>
-            <p:nvPr/>
-          </p:nvSpPr>
-          <p:spPr>
-            <a:xfrm>
-              <a:off x="5146039" y="1472476"/>
-              <a:ext cx="1828800" cy="1200329"/>
-            </a:xfrm>
-            <a:prstGeom prst="rect">
-              <a:avLst/>
-            </a:prstGeom>
-            <a:noFill/>
-          </p:spPr>
-          <p:txBody>
-            <a:bodyPr wrap="square" rtlCol="0">
-              <a:spAutoFit/>
-            </a:bodyPr>
-            <a:lstStyle/>
-            <a:p>
-              <a:pPr algn="ctr"/>
-              <a:r>
-                <a:rPr lang="en-US" altLang="ja-JP" sz="3600" b="1" dirty="0">
+                </a:endParaRPr>
+              </a:p>
+            </p:txBody>
+          </p:sp>
+          <p:sp>
+            <p:nvSpPr>
+              <p:cNvPr id="4" name="テキスト ボックス 3">
+                <a:extLst>
+                  <a:ext uri="{FF2B5EF4-FFF2-40B4-BE49-F238E27FC236}">
+                    <a16:creationId xmlns:a16="http://schemas.microsoft.com/office/drawing/2014/main" id="{73EF8541-CEA1-4189-836D-58F87654F140}"/>
+                  </a:ext>
+                </a:extLst>
+              </p:cNvPr>
+              <p:cNvSpPr txBox="1"/>
+              <p:nvPr/>
+            </p:nvSpPr>
+            <p:spPr>
+              <a:xfrm>
+                <a:off x="8534400" y="2781496"/>
+                <a:ext cx="1564640" cy="646331"/>
+              </a:xfrm>
+              <a:prstGeom prst="rect">
+                <a:avLst/>
+              </a:prstGeom>
+              <a:solidFill>
+                <a:schemeClr val="bg1"/>
+              </a:solidFill>
+            </p:spPr>
+            <p:txBody>
+              <a:bodyPr wrap="square" rtlCol="0">
+                <a:spAutoFit/>
+              </a:bodyPr>
+              <a:lstStyle/>
+              <a:p>
+                <a:pPr algn="ctr"/>
+                <a:r>
+                  <a:rPr kumimoji="1" lang="en-US" altLang="ja-JP" sz="3600" b="1" dirty="0">
+                    <a:latin typeface="Consolas" panose="020B0609020204030204" pitchFamily="49" charset="0"/>
+                  </a:rPr>
+                  <a:t>false</a:t>
+                </a:r>
+                <a:endParaRPr kumimoji="1" lang="ja-JP" altLang="en-US" sz="3600" b="1" dirty="0">
                   <a:latin typeface="Consolas" panose="020B0609020204030204" pitchFamily="49" charset="0"/>
-                </a:rPr>
-                <a:t>w</a:t>
-              </a:r>
-              <a:r>
-                <a:rPr kumimoji="1" lang="en-US" altLang="ja-JP" sz="3600" b="1" dirty="0">
+                </a:endParaRPr>
+              </a:p>
+            </p:txBody>
+          </p:sp>
+          <p:sp>
+            <p:nvSpPr>
+              <p:cNvPr id="5" name="テキスト ボックス 4">
+                <a:extLst>
+                  <a:ext uri="{FF2B5EF4-FFF2-40B4-BE49-F238E27FC236}">
+                    <a16:creationId xmlns:a16="http://schemas.microsoft.com/office/drawing/2014/main" id="{30DF90A8-A0E7-42C6-B221-192DC10B61E4}"/>
+                  </a:ext>
+                </a:extLst>
+              </p:cNvPr>
+              <p:cNvSpPr txBox="1"/>
+              <p:nvPr/>
+            </p:nvSpPr>
+            <p:spPr>
+              <a:xfrm>
+                <a:off x="5146039" y="1813561"/>
+                <a:ext cx="1610361" cy="518160"/>
+              </a:xfrm>
+              <a:prstGeom prst="rect">
+                <a:avLst/>
+              </a:prstGeom>
+              <a:solidFill>
+                <a:srgbClr val="FFA57D"/>
+              </a:solidFill>
+            </p:spPr>
+            <p:txBody>
+              <a:bodyPr wrap="square" rtlCol="0">
+                <a:spAutoFit/>
+              </a:bodyPr>
+              <a:lstStyle/>
+              <a:p>
+                <a:pPr algn="ctr"/>
+                <a:endParaRPr kumimoji="1" lang="ja-JP" altLang="en-US" sz="3600" b="1" dirty="0">
                   <a:latin typeface="Consolas" panose="020B0609020204030204" pitchFamily="49" charset="0"/>
-                </a:rPr>
-                <a:t>hile</a:t>
-              </a:r>
-            </a:p>
-            <a:p>
-              <a:pPr algn="ctr"/>
-              <a:r>
-                <a:rPr lang="en-US" altLang="ja-JP" sz="3600" b="1" dirty="0">
+                </a:endParaRPr>
+              </a:p>
+            </p:txBody>
+          </p:sp>
+          <p:sp>
+            <p:nvSpPr>
+              <p:cNvPr id="6" name="テキスト ボックス 5">
+                <a:extLst>
+                  <a:ext uri="{FF2B5EF4-FFF2-40B4-BE49-F238E27FC236}">
+                    <a16:creationId xmlns:a16="http://schemas.microsoft.com/office/drawing/2014/main" id="{9CD9F291-7130-4AD4-B00C-E8467FF386D7}"/>
+                  </a:ext>
+                </a:extLst>
+              </p:cNvPr>
+              <p:cNvSpPr txBox="1"/>
+              <p:nvPr/>
+            </p:nvSpPr>
+            <p:spPr>
+              <a:xfrm>
+                <a:off x="5146039" y="1472476"/>
+                <a:ext cx="1828800" cy="1200329"/>
+              </a:xfrm>
+              <a:prstGeom prst="rect">
+                <a:avLst/>
+              </a:prstGeom>
+              <a:noFill/>
+            </p:spPr>
+            <p:txBody>
+              <a:bodyPr wrap="square" rtlCol="0">
+                <a:spAutoFit/>
+              </a:bodyPr>
+              <a:lstStyle/>
+              <a:p>
+                <a:pPr algn="ctr"/>
+                <a:r>
+                  <a:rPr lang="en-US" altLang="ja-JP" sz="3600" b="1" dirty="0">
+                    <a:latin typeface="Consolas" panose="020B0609020204030204" pitchFamily="49" charset="0"/>
+                  </a:rPr>
+                  <a:t>w</a:t>
+                </a:r>
+                <a:r>
+                  <a:rPr kumimoji="1" lang="en-US" altLang="ja-JP" sz="3600" b="1" dirty="0">
+                    <a:latin typeface="Consolas" panose="020B0609020204030204" pitchFamily="49" charset="0"/>
+                  </a:rPr>
+                  <a:t>hile</a:t>
+                </a:r>
+              </a:p>
+              <a:p>
+                <a:pPr algn="ctr"/>
+                <a:r>
+                  <a:rPr lang="en-US" altLang="ja-JP" sz="3600" b="1" dirty="0">
+                    <a:latin typeface="Consolas" panose="020B0609020204030204" pitchFamily="49" charset="0"/>
+                  </a:rPr>
+                  <a:t>(bool)</a:t>
+                </a:r>
+                <a:endParaRPr kumimoji="1" lang="ja-JP" altLang="en-US" sz="3600" b="1" dirty="0">
                   <a:latin typeface="Consolas" panose="020B0609020204030204" pitchFamily="49" charset="0"/>
-                </a:rPr>
-                <a:t>(bool)</a:t>
-              </a:r>
-              <a:endParaRPr kumimoji="1" lang="ja-JP" altLang="en-US" sz="3600" b="1" dirty="0">
-                <a:latin typeface="Consolas" panose="020B0609020204030204" pitchFamily="49" charset="0"/>
-              </a:endParaRPr>
-            </a:p>
-          </p:txBody>
-        </p:sp>
-        <p:sp>
-          <p:nvSpPr>
-            <p:cNvPr id="7" name="テキスト ボックス 6">
-              <a:extLst>
-                <a:ext uri="{FF2B5EF4-FFF2-40B4-BE49-F238E27FC236}">
-                  <a16:creationId xmlns:a16="http://schemas.microsoft.com/office/drawing/2014/main" id="{B81B41D4-5EAE-4FE3-9753-1216D65210D7}"/>
-                </a:ext>
-              </a:extLst>
-            </p:cNvPr>
-            <p:cNvSpPr txBox="1"/>
-            <p:nvPr/>
-          </p:nvSpPr>
-          <p:spPr>
-            <a:xfrm>
-              <a:off x="5278119" y="3879948"/>
-              <a:ext cx="1564640" cy="646331"/>
-            </a:xfrm>
-            <a:prstGeom prst="rect">
-              <a:avLst/>
-            </a:prstGeom>
-            <a:solidFill>
-              <a:srgbClr val="7DC4FF"/>
-            </a:solidFill>
-          </p:spPr>
-          <p:txBody>
-            <a:bodyPr wrap="square" rtlCol="0">
-              <a:spAutoFit/>
-            </a:bodyPr>
-            <a:lstStyle/>
-            <a:p>
-              <a:pPr algn="ctr"/>
-              <a:r>
-                <a:rPr kumimoji="1" lang="ja-JP" altLang="en-US" sz="3600" b="1" dirty="0">
+                </a:endParaRPr>
+              </a:p>
+            </p:txBody>
+          </p:sp>
+          <p:sp>
+            <p:nvSpPr>
+              <p:cNvPr id="7" name="テキスト ボックス 6">
+                <a:extLst>
+                  <a:ext uri="{FF2B5EF4-FFF2-40B4-BE49-F238E27FC236}">
+                    <a16:creationId xmlns:a16="http://schemas.microsoft.com/office/drawing/2014/main" id="{B81B41D4-5EAE-4FE3-9753-1216D65210D7}"/>
+                  </a:ext>
+                </a:extLst>
+              </p:cNvPr>
+              <p:cNvSpPr txBox="1"/>
+              <p:nvPr/>
+            </p:nvSpPr>
+            <p:spPr>
+              <a:xfrm>
+                <a:off x="5278119" y="3879948"/>
+                <a:ext cx="1564640" cy="646331"/>
+              </a:xfrm>
+              <a:prstGeom prst="rect">
+                <a:avLst/>
+              </a:prstGeom>
+              <a:solidFill>
+                <a:srgbClr val="7DC4FF"/>
+              </a:solidFill>
+            </p:spPr>
+            <p:txBody>
+              <a:bodyPr wrap="square" rtlCol="0">
+                <a:spAutoFit/>
+              </a:bodyPr>
+              <a:lstStyle/>
+              <a:p>
+                <a:pPr algn="ctr"/>
+                <a:r>
+                  <a:rPr kumimoji="1" lang="ja-JP" altLang="en-US" sz="3600" b="1" dirty="0">
+                    <a:latin typeface="Consolas" panose="020B0609020204030204" pitchFamily="49" charset="0"/>
+                    <a:ea typeface="BIZ UDPゴシック" panose="020B0400000000000000" pitchFamily="50" charset="-128"/>
+                  </a:rPr>
+                  <a:t>処理</a:t>
+                </a:r>
+                <a:r>
+                  <a:rPr lang="en-US" altLang="ja-JP" sz="3600" b="1" dirty="0">
+                    <a:latin typeface="Consolas" panose="020B0609020204030204" pitchFamily="49" charset="0"/>
+                    <a:ea typeface="BIZ UDPゴシック" panose="020B0400000000000000" pitchFamily="50" charset="-128"/>
+                  </a:rPr>
+                  <a:t>A</a:t>
+                </a:r>
+                <a:endParaRPr kumimoji="1" lang="ja-JP" altLang="en-US" sz="3600" b="1" dirty="0">
                   <a:latin typeface="Consolas" panose="020B0609020204030204" pitchFamily="49" charset="0"/>
                   <a:ea typeface="BIZ UDPゴシック" panose="020B0400000000000000" pitchFamily="50" charset="-128"/>
-                </a:rPr>
-                <a:t>処理</a:t>
-              </a:r>
-              <a:r>
-                <a:rPr lang="en-US" altLang="ja-JP" sz="3600" b="1" dirty="0">
-                  <a:latin typeface="Consolas" panose="020B0609020204030204" pitchFamily="49" charset="0"/>
-                  <a:ea typeface="BIZ UDPゴシック" panose="020B0400000000000000" pitchFamily="50" charset="-128"/>
-                </a:rPr>
-                <a:t>A</a:t>
-              </a:r>
-              <a:endParaRPr kumimoji="1" lang="ja-JP" altLang="en-US" sz="3600" b="1" dirty="0">
-                <a:latin typeface="Consolas" panose="020B0609020204030204" pitchFamily="49" charset="0"/>
-                <a:ea typeface="BIZ UDPゴシック" panose="020B0400000000000000" pitchFamily="50" charset="-128"/>
-              </a:endParaRPr>
-            </a:p>
-          </p:txBody>
-        </p:sp>
+                </a:endParaRPr>
+              </a:p>
+            </p:txBody>
+          </p:sp>
+        </p:grpSp>
       </p:grpSp>
     </p:spTree>
     <p:extLst>

--- a/ing.pptx
+++ b/ing.pptx
@@ -10,8 +10,11 @@
     <p:sldId id="258" r:id="rId4"/>
     <p:sldId id="259" r:id="rId5"/>
     <p:sldId id="262" r:id="rId6"/>
-    <p:sldId id="260" r:id="rId7"/>
-    <p:sldId id="261" r:id="rId8"/>
+    <p:sldId id="265" r:id="rId7"/>
+    <p:sldId id="260" r:id="rId8"/>
+    <p:sldId id="261" r:id="rId9"/>
+    <p:sldId id="263" r:id="rId10"/>
+    <p:sldId id="264" r:id="rId11"/>
   </p:sldIdLst>
   <p:sldSz cx="12192000" cy="6858000"/>
   <p:notesSz cx="6858000" cy="9144000"/>
@@ -265,7 +268,7 @@
           <a:p>
             <a:fld id="{8A3E2FCF-DE39-4AB5-BBE9-97072A214ACE}" type="datetimeFigureOut">
               <a:rPr kumimoji="1" lang="ja-JP" altLang="en-US" smtClean="0"/>
-              <a:t>2022/3/8</a:t>
+              <a:t>2022/3/13</a:t>
             </a:fld>
             <a:endParaRPr kumimoji="1" lang="ja-JP" altLang="en-US"/>
           </a:p>
@@ -495,7 +498,7 @@
           <a:p>
             <a:fld id="{8A3E2FCF-DE39-4AB5-BBE9-97072A214ACE}" type="datetimeFigureOut">
               <a:rPr kumimoji="1" lang="ja-JP" altLang="en-US" smtClean="0"/>
-              <a:t>2022/3/8</a:t>
+              <a:t>2022/3/13</a:t>
             </a:fld>
             <a:endParaRPr kumimoji="1" lang="ja-JP" altLang="en-US"/>
           </a:p>
@@ -735,7 +738,7 @@
           <a:p>
             <a:fld id="{8A3E2FCF-DE39-4AB5-BBE9-97072A214ACE}" type="datetimeFigureOut">
               <a:rPr kumimoji="1" lang="ja-JP" altLang="en-US" smtClean="0"/>
-              <a:t>2022/3/8</a:t>
+              <a:t>2022/3/13</a:t>
             </a:fld>
             <a:endParaRPr kumimoji="1" lang="ja-JP" altLang="en-US"/>
           </a:p>
@@ -965,7 +968,7 @@
           <a:p>
             <a:fld id="{8A3E2FCF-DE39-4AB5-BBE9-97072A214ACE}" type="datetimeFigureOut">
               <a:rPr kumimoji="1" lang="ja-JP" altLang="en-US" smtClean="0"/>
-              <a:t>2022/3/8</a:t>
+              <a:t>2022/3/13</a:t>
             </a:fld>
             <a:endParaRPr kumimoji="1" lang="ja-JP" altLang="en-US"/>
           </a:p>
@@ -1240,7 +1243,7 @@
           <a:p>
             <a:fld id="{8A3E2FCF-DE39-4AB5-BBE9-97072A214ACE}" type="datetimeFigureOut">
               <a:rPr kumimoji="1" lang="ja-JP" altLang="en-US" smtClean="0"/>
-              <a:t>2022/3/8</a:t>
+              <a:t>2022/3/13</a:t>
             </a:fld>
             <a:endParaRPr kumimoji="1" lang="ja-JP" altLang="en-US"/>
           </a:p>
@@ -1569,7 +1572,7 @@
           <a:p>
             <a:fld id="{8A3E2FCF-DE39-4AB5-BBE9-97072A214ACE}" type="datetimeFigureOut">
               <a:rPr kumimoji="1" lang="ja-JP" altLang="en-US" smtClean="0"/>
-              <a:t>2022/3/8</a:t>
+              <a:t>2022/3/13</a:t>
             </a:fld>
             <a:endParaRPr kumimoji="1" lang="ja-JP" altLang="en-US"/>
           </a:p>
@@ -2045,7 +2048,7 @@
           <a:p>
             <a:fld id="{8A3E2FCF-DE39-4AB5-BBE9-97072A214ACE}" type="datetimeFigureOut">
               <a:rPr kumimoji="1" lang="ja-JP" altLang="en-US" smtClean="0"/>
-              <a:t>2022/3/8</a:t>
+              <a:t>2022/3/13</a:t>
             </a:fld>
             <a:endParaRPr kumimoji="1" lang="ja-JP" altLang="en-US"/>
           </a:p>
@@ -2186,7 +2189,7 @@
           <a:p>
             <a:fld id="{8A3E2FCF-DE39-4AB5-BBE9-97072A214ACE}" type="datetimeFigureOut">
               <a:rPr kumimoji="1" lang="ja-JP" altLang="en-US" smtClean="0"/>
-              <a:t>2022/3/8</a:t>
+              <a:t>2022/3/13</a:t>
             </a:fld>
             <a:endParaRPr kumimoji="1" lang="ja-JP" altLang="en-US"/>
           </a:p>
@@ -2299,7 +2302,7 @@
           <a:p>
             <a:fld id="{8A3E2FCF-DE39-4AB5-BBE9-97072A214ACE}" type="datetimeFigureOut">
               <a:rPr kumimoji="1" lang="ja-JP" altLang="en-US" smtClean="0"/>
-              <a:t>2022/3/8</a:t>
+              <a:t>2022/3/13</a:t>
             </a:fld>
             <a:endParaRPr kumimoji="1" lang="ja-JP" altLang="en-US"/>
           </a:p>
@@ -2642,7 +2645,7 @@
           <a:p>
             <a:fld id="{8A3E2FCF-DE39-4AB5-BBE9-97072A214ACE}" type="datetimeFigureOut">
               <a:rPr kumimoji="1" lang="ja-JP" altLang="en-US" smtClean="0"/>
-              <a:t>2022/3/8</a:t>
+              <a:t>2022/3/13</a:t>
             </a:fld>
             <a:endParaRPr kumimoji="1" lang="ja-JP" altLang="en-US"/>
           </a:p>
@@ -2930,7 +2933,7 @@
           <a:p>
             <a:fld id="{8A3E2FCF-DE39-4AB5-BBE9-97072A214ACE}" type="datetimeFigureOut">
               <a:rPr kumimoji="1" lang="ja-JP" altLang="en-US" smtClean="0"/>
-              <a:t>2022/3/8</a:t>
+              <a:t>2022/3/13</a:t>
             </a:fld>
             <a:endParaRPr kumimoji="1" lang="ja-JP" altLang="en-US"/>
           </a:p>
@@ -3203,7 +3206,7 @@
           <a:p>
             <a:fld id="{8A3E2FCF-DE39-4AB5-BBE9-97072A214ACE}" type="datetimeFigureOut">
               <a:rPr kumimoji="1" lang="ja-JP" altLang="en-US" smtClean="0"/>
-              <a:t>2022/3/8</a:t>
+              <a:t>2022/3/13</a:t>
             </a:fld>
             <a:endParaRPr kumimoji="1" lang="ja-JP" altLang="en-US"/>
           </a:p>
@@ -3763,6 +3766,478 @@
     <p:extLst>
       <p:ext uri="{BB962C8B-B14F-4D97-AF65-F5344CB8AC3E}">
         <p14:creationId xmlns:p14="http://schemas.microsoft.com/office/powerpoint/2010/main" val="207830"/>
+      </p:ext>
+    </p:extLst>
+  </p:cSld>
+  <p:clrMapOvr>
+    <a:masterClrMapping/>
+  </p:clrMapOvr>
+</p:sld>
+</file>
+
+<file path=ppt/slides/slide10.xml><?xml version="1.0" encoding="utf-8"?>
+<p:sld xmlns:a="http://schemas.openxmlformats.org/drawingml/2006/main" xmlns:r="http://schemas.openxmlformats.org/officeDocument/2006/relationships" xmlns:p="http://schemas.openxmlformats.org/presentationml/2006/main">
+  <p:cSld>
+    <p:spTree>
+      <p:nvGrpSpPr>
+        <p:cNvPr id="1" name=""/>
+        <p:cNvGrpSpPr/>
+        <p:nvPr/>
+      </p:nvGrpSpPr>
+      <p:grpSpPr>
+        <a:xfrm>
+          <a:off x="0" y="0"/>
+          <a:ext cx="0" cy="0"/>
+          <a:chOff x="0" y="0"/>
+          <a:chExt cx="0" cy="0"/>
+        </a:xfrm>
+      </p:grpSpPr>
+      <p:grpSp>
+        <p:nvGrpSpPr>
+          <p:cNvPr id="13" name="グループ化 12">
+            <a:extLst>
+              <a:ext uri="{FF2B5EF4-FFF2-40B4-BE49-F238E27FC236}">
+                <a16:creationId xmlns:a16="http://schemas.microsoft.com/office/drawing/2014/main" id="{509424AE-5C3D-4510-8EEF-1B11B96F9AD4}"/>
+              </a:ext>
+            </a:extLst>
+          </p:cNvPr>
+          <p:cNvGrpSpPr/>
+          <p:nvPr/>
+        </p:nvGrpSpPr>
+        <p:grpSpPr>
+          <a:xfrm>
+            <a:off x="2629989" y="296091"/>
+            <a:ext cx="7010400" cy="6322423"/>
+            <a:chOff x="2629989" y="296091"/>
+            <a:chExt cx="7010400" cy="6322423"/>
+          </a:xfrm>
+        </p:grpSpPr>
+        <p:sp>
+          <p:nvSpPr>
+            <p:cNvPr id="2" name="正方形/長方形 1">
+              <a:extLst>
+                <a:ext uri="{FF2B5EF4-FFF2-40B4-BE49-F238E27FC236}">
+                  <a16:creationId xmlns:a16="http://schemas.microsoft.com/office/drawing/2014/main" id="{86053728-8F56-4A19-A6AA-43D4BD45B85D}"/>
+                </a:ext>
+              </a:extLst>
+            </p:cNvPr>
+            <p:cNvSpPr/>
+            <p:nvPr/>
+          </p:nvSpPr>
+          <p:spPr>
+            <a:xfrm>
+              <a:off x="2629989" y="296091"/>
+              <a:ext cx="7010400" cy="6322423"/>
+            </a:xfrm>
+            <a:prstGeom prst="rect">
+              <a:avLst/>
+            </a:prstGeom>
+            <a:solidFill>
+              <a:schemeClr val="bg1"/>
+            </a:solidFill>
+            <a:ln>
+              <a:noFill/>
+            </a:ln>
+          </p:spPr>
+          <p:style>
+            <a:lnRef idx="2">
+              <a:schemeClr val="accent1">
+                <a:shade val="50000"/>
+              </a:schemeClr>
+            </a:lnRef>
+            <a:fillRef idx="1">
+              <a:schemeClr val="accent1"/>
+            </a:fillRef>
+            <a:effectRef idx="0">
+              <a:schemeClr val="accent1"/>
+            </a:effectRef>
+            <a:fontRef idx="minor">
+              <a:schemeClr val="lt1"/>
+            </a:fontRef>
+          </p:style>
+          <p:txBody>
+            <a:bodyPr rtlCol="0" anchor="ctr"/>
+            <a:lstStyle/>
+            <a:p>
+              <a:pPr algn="ctr"/>
+              <a:endParaRPr kumimoji="1" lang="ja-JP" altLang="en-US"/>
+            </a:p>
+          </p:txBody>
+        </p:sp>
+        <p:pic>
+          <p:nvPicPr>
+            <p:cNvPr id="3" name="図 2">
+              <a:extLst>
+                <a:ext uri="{FF2B5EF4-FFF2-40B4-BE49-F238E27FC236}">
+                  <a16:creationId xmlns:a16="http://schemas.microsoft.com/office/drawing/2014/main" id="{9361D921-AA43-471C-B8C9-A790BFCBCFE5}"/>
+                </a:ext>
+              </a:extLst>
+            </p:cNvPr>
+            <p:cNvPicPr>
+              <a:picLocks noChangeAspect="1"/>
+            </p:cNvPicPr>
+            <p:nvPr/>
+          </p:nvPicPr>
+          <p:blipFill>
+            <a:blip r:embed="rId2" cstate="print">
+              <a:extLst>
+                <a:ext uri="{28A0092B-C50C-407E-A947-70E740481C1C}">
+                  <a14:useLocalDpi xmlns:a14="http://schemas.microsoft.com/office/drawing/2010/main"/>
+                </a:ext>
+              </a:extLst>
+            </a:blip>
+            <a:srcRect/>
+            <a:stretch>
+              <a:fillRect/>
+            </a:stretch>
+          </p:blipFill>
+          <p:spPr bwMode="auto">
+            <a:xfrm>
+              <a:off x="3348446" y="490634"/>
+              <a:ext cx="5495108" cy="5876731"/>
+            </a:xfrm>
+            <a:prstGeom prst="rect">
+              <a:avLst/>
+            </a:prstGeom>
+            <a:noFill/>
+            <a:ln>
+              <a:noFill/>
+            </a:ln>
+          </p:spPr>
+        </p:pic>
+        <p:sp>
+          <p:nvSpPr>
+            <p:cNvPr id="4" name="テキスト ボックス 3">
+              <a:extLst>
+                <a:ext uri="{FF2B5EF4-FFF2-40B4-BE49-F238E27FC236}">
+                  <a16:creationId xmlns:a16="http://schemas.microsoft.com/office/drawing/2014/main" id="{471EF909-47AD-46A5-BAF5-F274A0F23937}"/>
+                </a:ext>
+              </a:extLst>
+            </p:cNvPr>
+            <p:cNvSpPr txBox="1"/>
+            <p:nvPr/>
+          </p:nvSpPr>
+          <p:spPr>
+            <a:xfrm>
+              <a:off x="3741420" y="1009922"/>
+              <a:ext cx="937260" cy="236578"/>
+            </a:xfrm>
+            <a:prstGeom prst="rect">
+              <a:avLst/>
+            </a:prstGeom>
+            <a:solidFill>
+              <a:srgbClr val="FFA57D"/>
+            </a:solidFill>
+          </p:spPr>
+          <p:txBody>
+            <a:bodyPr wrap="square" rtlCol="0">
+              <a:spAutoFit/>
+            </a:bodyPr>
+            <a:lstStyle/>
+            <a:p>
+              <a:pPr algn="ctr"/>
+              <a:endParaRPr kumimoji="1" lang="ja-JP" altLang="en-US" b="1" dirty="0">
+                <a:latin typeface="Consolas" panose="020B0609020204030204" pitchFamily="49" charset="0"/>
+              </a:endParaRPr>
+            </a:p>
+          </p:txBody>
+        </p:sp>
+        <p:sp>
+          <p:nvSpPr>
+            <p:cNvPr id="5" name="テキスト ボックス 4">
+              <a:extLst>
+                <a:ext uri="{FF2B5EF4-FFF2-40B4-BE49-F238E27FC236}">
+                  <a16:creationId xmlns:a16="http://schemas.microsoft.com/office/drawing/2014/main" id="{817652CF-A357-4F88-B43C-1D4EF914EC2A}"/>
+                </a:ext>
+              </a:extLst>
+            </p:cNvPr>
+            <p:cNvSpPr txBox="1"/>
+            <p:nvPr/>
+          </p:nvSpPr>
+          <p:spPr>
+            <a:xfrm>
+              <a:off x="3703501" y="943545"/>
+              <a:ext cx="1013097" cy="369332"/>
+            </a:xfrm>
+            <a:prstGeom prst="rect">
+              <a:avLst/>
+            </a:prstGeom>
+            <a:noFill/>
+          </p:spPr>
+          <p:txBody>
+            <a:bodyPr wrap="square" rtlCol="0">
+              <a:spAutoFit/>
+            </a:bodyPr>
+            <a:lstStyle/>
+            <a:p>
+              <a:pPr algn="ctr"/>
+              <a:r>
+                <a:rPr kumimoji="1" lang="en-US" altLang="ja-JP" b="1" dirty="0">
+                  <a:latin typeface="Consolas" panose="020B0609020204030204" pitchFamily="49" charset="0"/>
+                </a:rPr>
+                <a:t>(bool)</a:t>
+              </a:r>
+              <a:endParaRPr kumimoji="1" lang="ja-JP" altLang="en-US" b="1" dirty="0">
+                <a:latin typeface="Consolas" panose="020B0609020204030204" pitchFamily="49" charset="0"/>
+              </a:endParaRPr>
+            </a:p>
+          </p:txBody>
+        </p:sp>
+        <p:sp>
+          <p:nvSpPr>
+            <p:cNvPr id="6" name="テキスト ボックス 5">
+              <a:extLst>
+                <a:ext uri="{FF2B5EF4-FFF2-40B4-BE49-F238E27FC236}">
+                  <a16:creationId xmlns:a16="http://schemas.microsoft.com/office/drawing/2014/main" id="{1065A456-EF2A-4D38-8F94-3D62E479E4AE}"/>
+                </a:ext>
+              </a:extLst>
+            </p:cNvPr>
+            <p:cNvSpPr txBox="1"/>
+            <p:nvPr/>
+          </p:nvSpPr>
+          <p:spPr>
+            <a:xfrm>
+              <a:off x="3703501" y="2833642"/>
+              <a:ext cx="1013097" cy="236578"/>
+            </a:xfrm>
+            <a:prstGeom prst="rect">
+              <a:avLst/>
+            </a:prstGeom>
+            <a:solidFill>
+              <a:srgbClr val="FFA57D"/>
+            </a:solidFill>
+          </p:spPr>
+          <p:txBody>
+            <a:bodyPr wrap="square" rtlCol="0">
+              <a:spAutoFit/>
+            </a:bodyPr>
+            <a:lstStyle/>
+            <a:p>
+              <a:pPr algn="ctr"/>
+              <a:endParaRPr kumimoji="1" lang="ja-JP" altLang="en-US" b="1" dirty="0">
+                <a:latin typeface="Consolas" panose="020B0609020204030204" pitchFamily="49" charset="0"/>
+              </a:endParaRPr>
+            </a:p>
+          </p:txBody>
+        </p:sp>
+        <p:sp>
+          <p:nvSpPr>
+            <p:cNvPr id="7" name="テキスト ボックス 6">
+              <a:extLst>
+                <a:ext uri="{FF2B5EF4-FFF2-40B4-BE49-F238E27FC236}">
+                  <a16:creationId xmlns:a16="http://schemas.microsoft.com/office/drawing/2014/main" id="{B247AADA-8CD6-4F55-9FCB-77AADAC82FA0}"/>
+                </a:ext>
+              </a:extLst>
+            </p:cNvPr>
+            <p:cNvSpPr txBox="1"/>
+            <p:nvPr/>
+          </p:nvSpPr>
+          <p:spPr>
+            <a:xfrm>
+              <a:off x="3703500" y="2734245"/>
+              <a:ext cx="1013097" cy="369332"/>
+            </a:xfrm>
+            <a:prstGeom prst="rect">
+              <a:avLst/>
+            </a:prstGeom>
+            <a:noFill/>
+          </p:spPr>
+          <p:txBody>
+            <a:bodyPr wrap="square" rtlCol="0">
+              <a:spAutoFit/>
+            </a:bodyPr>
+            <a:lstStyle/>
+            <a:p>
+              <a:pPr algn="ctr"/>
+              <a:r>
+                <a:rPr kumimoji="1" lang="en-US" altLang="ja-JP" b="1" dirty="0">
+                  <a:latin typeface="Consolas" panose="020B0609020204030204" pitchFamily="49" charset="0"/>
+                </a:rPr>
+                <a:t>(bool)</a:t>
+              </a:r>
+              <a:endParaRPr kumimoji="1" lang="ja-JP" altLang="en-US" b="1" dirty="0">
+                <a:latin typeface="Consolas" panose="020B0609020204030204" pitchFamily="49" charset="0"/>
+              </a:endParaRPr>
+            </a:p>
+          </p:txBody>
+        </p:sp>
+        <p:sp>
+          <p:nvSpPr>
+            <p:cNvPr id="8" name="テキスト ボックス 7">
+              <a:extLst>
+                <a:ext uri="{FF2B5EF4-FFF2-40B4-BE49-F238E27FC236}">
+                  <a16:creationId xmlns:a16="http://schemas.microsoft.com/office/drawing/2014/main" id="{A462C6B8-FA54-4B1A-BFC2-535AA8EC96E3}"/>
+                </a:ext>
+              </a:extLst>
+            </p:cNvPr>
+            <p:cNvSpPr txBox="1"/>
+            <p:nvPr/>
+          </p:nvSpPr>
+          <p:spPr>
+            <a:xfrm>
+              <a:off x="3262718" y="1703927"/>
+              <a:ext cx="881563" cy="369332"/>
+            </a:xfrm>
+            <a:prstGeom prst="rect">
+              <a:avLst/>
+            </a:prstGeom>
+            <a:solidFill>
+              <a:schemeClr val="bg1"/>
+            </a:solidFill>
+          </p:spPr>
+          <p:txBody>
+            <a:bodyPr wrap="square" rtlCol="0">
+              <a:spAutoFit/>
+            </a:bodyPr>
+            <a:lstStyle/>
+            <a:p>
+              <a:pPr algn="ctr"/>
+              <a:r>
+                <a:rPr kumimoji="1" lang="en-US" altLang="ja-JP" b="1" dirty="0">
+                  <a:latin typeface="Consolas" panose="020B0609020204030204" pitchFamily="49" charset="0"/>
+                </a:rPr>
+                <a:t>true</a:t>
+              </a:r>
+              <a:endParaRPr kumimoji="1" lang="ja-JP" altLang="en-US" b="1" dirty="0">
+                <a:latin typeface="Consolas" panose="020B0609020204030204" pitchFamily="49" charset="0"/>
+              </a:endParaRPr>
+            </a:p>
+          </p:txBody>
+        </p:sp>
+        <p:sp>
+          <p:nvSpPr>
+            <p:cNvPr id="9" name="テキスト ボックス 8">
+              <a:extLst>
+                <a:ext uri="{FF2B5EF4-FFF2-40B4-BE49-F238E27FC236}">
+                  <a16:creationId xmlns:a16="http://schemas.microsoft.com/office/drawing/2014/main" id="{66DE3111-D97F-4F33-8C92-AF150F94C197}"/>
+                </a:ext>
+              </a:extLst>
+            </p:cNvPr>
+            <p:cNvSpPr txBox="1"/>
+            <p:nvPr/>
+          </p:nvSpPr>
+          <p:spPr>
+            <a:xfrm>
+              <a:off x="3262717" y="3520487"/>
+              <a:ext cx="881563" cy="369332"/>
+            </a:xfrm>
+            <a:prstGeom prst="rect">
+              <a:avLst/>
+            </a:prstGeom>
+            <a:solidFill>
+              <a:schemeClr val="bg1"/>
+            </a:solidFill>
+          </p:spPr>
+          <p:txBody>
+            <a:bodyPr wrap="square" rtlCol="0">
+              <a:spAutoFit/>
+            </a:bodyPr>
+            <a:lstStyle/>
+            <a:p>
+              <a:pPr algn="ctr"/>
+              <a:r>
+                <a:rPr kumimoji="1" lang="en-US" altLang="ja-JP" b="1" dirty="0">
+                  <a:latin typeface="Consolas" panose="020B0609020204030204" pitchFamily="49" charset="0"/>
+                </a:rPr>
+                <a:t>true</a:t>
+              </a:r>
+              <a:endParaRPr kumimoji="1" lang="ja-JP" altLang="en-US" b="1" dirty="0">
+                <a:latin typeface="Consolas" panose="020B0609020204030204" pitchFamily="49" charset="0"/>
+              </a:endParaRPr>
+            </a:p>
+          </p:txBody>
+        </p:sp>
+        <p:sp>
+          <p:nvSpPr>
+            <p:cNvPr id="10" name="テキスト ボックス 9">
+              <a:extLst>
+                <a:ext uri="{FF2B5EF4-FFF2-40B4-BE49-F238E27FC236}">
+                  <a16:creationId xmlns:a16="http://schemas.microsoft.com/office/drawing/2014/main" id="{A05D6AD1-48ED-4DE6-B16E-C89DF501507C}"/>
+                </a:ext>
+              </a:extLst>
+            </p:cNvPr>
+            <p:cNvSpPr txBox="1"/>
+            <p:nvPr/>
+          </p:nvSpPr>
+          <p:spPr>
+            <a:xfrm>
+              <a:off x="6432636" y="3520487"/>
+              <a:ext cx="881563" cy="369332"/>
+            </a:xfrm>
+            <a:prstGeom prst="rect">
+              <a:avLst/>
+            </a:prstGeom>
+            <a:solidFill>
+              <a:schemeClr val="bg1"/>
+            </a:solidFill>
+          </p:spPr>
+          <p:txBody>
+            <a:bodyPr wrap="square" rtlCol="0">
+              <a:spAutoFit/>
+            </a:bodyPr>
+            <a:lstStyle/>
+            <a:p>
+              <a:pPr algn="ctr"/>
+              <a:r>
+                <a:rPr kumimoji="1" lang="en-US" altLang="ja-JP" b="1" dirty="0">
+                  <a:latin typeface="Consolas" panose="020B0609020204030204" pitchFamily="49" charset="0"/>
+                </a:rPr>
+                <a:t>false</a:t>
+              </a:r>
+              <a:endParaRPr kumimoji="1" lang="ja-JP" altLang="en-US" b="1" dirty="0">
+                <a:latin typeface="Consolas" panose="020B0609020204030204" pitchFamily="49" charset="0"/>
+              </a:endParaRPr>
+            </a:p>
+          </p:txBody>
+        </p:sp>
+        <p:sp>
+          <p:nvSpPr>
+            <p:cNvPr id="12" name="テキスト ボックス 11">
+              <a:extLst>
+                <a:ext uri="{FF2B5EF4-FFF2-40B4-BE49-F238E27FC236}">
+                  <a16:creationId xmlns:a16="http://schemas.microsoft.com/office/drawing/2014/main" id="{6721C29C-E0DB-4B46-92A6-A335F96088EC}"/>
+                </a:ext>
+              </a:extLst>
+            </p:cNvPr>
+            <p:cNvSpPr txBox="1"/>
+            <p:nvPr/>
+          </p:nvSpPr>
+          <p:spPr>
+            <a:xfrm>
+              <a:off x="8226601" y="1703927"/>
+              <a:ext cx="881563" cy="369332"/>
+            </a:xfrm>
+            <a:prstGeom prst="rect">
+              <a:avLst/>
+            </a:prstGeom>
+            <a:solidFill>
+              <a:schemeClr val="bg1"/>
+            </a:solidFill>
+          </p:spPr>
+          <p:txBody>
+            <a:bodyPr wrap="square" rtlCol="0">
+              <a:spAutoFit/>
+            </a:bodyPr>
+            <a:lstStyle/>
+            <a:p>
+              <a:pPr algn="ctr"/>
+              <a:r>
+                <a:rPr kumimoji="1" lang="en-US" altLang="ja-JP" b="1" dirty="0">
+                  <a:latin typeface="Consolas" panose="020B0609020204030204" pitchFamily="49" charset="0"/>
+                </a:rPr>
+                <a:t>false</a:t>
+              </a:r>
+              <a:endParaRPr kumimoji="1" lang="ja-JP" altLang="en-US" b="1" dirty="0">
+                <a:latin typeface="Consolas" panose="020B0609020204030204" pitchFamily="49" charset="0"/>
+              </a:endParaRPr>
+            </a:p>
+          </p:txBody>
+        </p:sp>
+      </p:grpSp>
+    </p:spTree>
+    <p:extLst>
+      <p:ext uri="{BB962C8B-B14F-4D97-AF65-F5344CB8AC3E}">
+        <p14:creationId xmlns:p14="http://schemas.microsoft.com/office/powerpoint/2010/main" val="133256165"/>
       </p:ext>
     </p:extLst>
   </p:cSld>
@@ -7338,6 +7813,1278 @@
       </p:grpSpPr>
       <p:grpSp>
         <p:nvGrpSpPr>
+          <p:cNvPr id="18" name="グループ化 17">
+            <a:extLst>
+              <a:ext uri="{FF2B5EF4-FFF2-40B4-BE49-F238E27FC236}">
+                <a16:creationId xmlns:a16="http://schemas.microsoft.com/office/drawing/2014/main" id="{2FA1D97C-04C3-4C55-82CF-11D8711B3B0F}"/>
+              </a:ext>
+            </a:extLst>
+          </p:cNvPr>
+          <p:cNvGrpSpPr/>
+          <p:nvPr/>
+        </p:nvGrpSpPr>
+        <p:grpSpPr>
+          <a:xfrm>
+            <a:off x="-10771910" y="0"/>
+            <a:ext cx="22963910" cy="6858000"/>
+            <a:chOff x="-11015750" y="457200"/>
+            <a:chExt cx="22963910" cy="5943599"/>
+          </a:xfrm>
+        </p:grpSpPr>
+        <p:sp>
+          <p:nvSpPr>
+            <p:cNvPr id="8" name="正方形/長方形 7">
+              <a:extLst>
+                <a:ext uri="{FF2B5EF4-FFF2-40B4-BE49-F238E27FC236}">
+                  <a16:creationId xmlns:a16="http://schemas.microsoft.com/office/drawing/2014/main" id="{292859D4-26E7-498D-AFB8-3D95A8ECC8EC}"/>
+                </a:ext>
+              </a:extLst>
+            </p:cNvPr>
+            <p:cNvSpPr/>
+            <p:nvPr/>
+          </p:nvSpPr>
+          <p:spPr>
+            <a:xfrm>
+              <a:off x="466205" y="457200"/>
+              <a:ext cx="11481955" cy="5943599"/>
+            </a:xfrm>
+            <a:prstGeom prst="rect">
+              <a:avLst/>
+            </a:prstGeom>
+            <a:gradFill>
+              <a:gsLst>
+                <a:gs pos="0">
+                  <a:srgbClr val="FF0000"/>
+                </a:gs>
+                <a:gs pos="40000">
+                  <a:srgbClr val="00F20C"/>
+                </a:gs>
+                <a:gs pos="80000">
+                  <a:srgbClr val="7030A0"/>
+                </a:gs>
+                <a:gs pos="60000">
+                  <a:srgbClr val="0062F2"/>
+                </a:gs>
+                <a:gs pos="20000">
+                  <a:srgbClr val="FFFF00"/>
+                </a:gs>
+                <a:gs pos="100000">
+                  <a:srgbClr val="FF0000"/>
+                </a:gs>
+              </a:gsLst>
+              <a:lin ang="0" scaled="0"/>
+            </a:gradFill>
+            <a:ln>
+              <a:noFill/>
+            </a:ln>
+          </p:spPr>
+          <p:style>
+            <a:lnRef idx="2">
+              <a:schemeClr val="accent1">
+                <a:shade val="50000"/>
+              </a:schemeClr>
+            </a:lnRef>
+            <a:fillRef idx="1">
+              <a:schemeClr val="accent1"/>
+            </a:fillRef>
+            <a:effectRef idx="0">
+              <a:schemeClr val="accent1"/>
+            </a:effectRef>
+            <a:fontRef idx="minor">
+              <a:schemeClr val="lt1"/>
+            </a:fontRef>
+          </p:style>
+          <p:txBody>
+            <a:bodyPr rtlCol="0" anchor="ctr"/>
+            <a:lstStyle/>
+            <a:p>
+              <a:pPr algn="ctr"/>
+              <a:endParaRPr kumimoji="1" lang="ja-JP" altLang="en-US"/>
+            </a:p>
+          </p:txBody>
+        </p:sp>
+        <p:sp>
+          <p:nvSpPr>
+            <p:cNvPr id="9" name="正方形/長方形 8">
+              <a:extLst>
+                <a:ext uri="{FF2B5EF4-FFF2-40B4-BE49-F238E27FC236}">
+                  <a16:creationId xmlns:a16="http://schemas.microsoft.com/office/drawing/2014/main" id="{721F3661-B4A0-4479-9FC9-83FF5F909A95}"/>
+                </a:ext>
+              </a:extLst>
+            </p:cNvPr>
+            <p:cNvSpPr/>
+            <p:nvPr/>
+          </p:nvSpPr>
+          <p:spPr>
+            <a:xfrm>
+              <a:off x="-11015750" y="457200"/>
+              <a:ext cx="11481955" cy="5943599"/>
+            </a:xfrm>
+            <a:prstGeom prst="rect">
+              <a:avLst/>
+            </a:prstGeom>
+            <a:gradFill>
+              <a:gsLst>
+                <a:gs pos="0">
+                  <a:srgbClr val="FF0000"/>
+                </a:gs>
+                <a:gs pos="40000">
+                  <a:srgbClr val="00F20C"/>
+                </a:gs>
+                <a:gs pos="80000">
+                  <a:srgbClr val="7030A0"/>
+                </a:gs>
+                <a:gs pos="60000">
+                  <a:srgbClr val="0062F2"/>
+                </a:gs>
+                <a:gs pos="20000">
+                  <a:srgbClr val="FFFF00"/>
+                </a:gs>
+                <a:gs pos="100000">
+                  <a:srgbClr val="FF0000"/>
+                </a:gs>
+              </a:gsLst>
+              <a:lin ang="0" scaled="0"/>
+            </a:gradFill>
+            <a:ln>
+              <a:noFill/>
+            </a:ln>
+          </p:spPr>
+          <p:style>
+            <a:lnRef idx="2">
+              <a:schemeClr val="accent1">
+                <a:shade val="50000"/>
+              </a:schemeClr>
+            </a:lnRef>
+            <a:fillRef idx="1">
+              <a:schemeClr val="accent1"/>
+            </a:fillRef>
+            <a:effectRef idx="0">
+              <a:schemeClr val="accent1"/>
+            </a:effectRef>
+            <a:fontRef idx="minor">
+              <a:schemeClr val="lt1"/>
+            </a:fontRef>
+          </p:style>
+          <p:txBody>
+            <a:bodyPr rtlCol="0" anchor="ctr"/>
+            <a:lstStyle/>
+            <a:p>
+              <a:pPr algn="ctr"/>
+              <a:endParaRPr kumimoji="1" lang="ja-JP" altLang="en-US" dirty="0"/>
+            </a:p>
+          </p:txBody>
+        </p:sp>
+      </p:grpSp>
+      <p:sp>
+        <p:nvSpPr>
+          <p:cNvPr id="11" name="フリーフォーム: 図形 10">
+            <a:extLst>
+              <a:ext uri="{FF2B5EF4-FFF2-40B4-BE49-F238E27FC236}">
+                <a16:creationId xmlns:a16="http://schemas.microsoft.com/office/drawing/2014/main" id="{14F374F0-36BD-48B8-978D-DBDDEEA0D104}"/>
+              </a:ext>
+            </a:extLst>
+          </p:cNvPr>
+          <p:cNvSpPr/>
+          <p:nvPr/>
+        </p:nvSpPr>
+        <p:spPr>
+          <a:xfrm>
+            <a:off x="-27203400" y="0"/>
+            <a:ext cx="111709200" cy="7467600"/>
+          </a:xfrm>
+          <a:custGeom>
+            <a:avLst/>
+            <a:gdLst/>
+            <a:ahLst/>
+            <a:cxnLst/>
+            <a:rect l="l" t="t" r="r" b="b"/>
+            <a:pathLst>
+              <a:path w="111709200" h="7467600">
+                <a:moveTo>
+                  <a:pt x="57582600" y="4838201"/>
+                </a:moveTo>
+                <a:lnTo>
+                  <a:pt x="57582600" y="5043212"/>
+                </a:lnTo>
+                <a:lnTo>
+                  <a:pt x="55327484" y="5063713"/>
+                </a:lnTo>
+                <a:lnTo>
+                  <a:pt x="55347986" y="4899704"/>
+                </a:lnTo>
+                <a:lnTo>
+                  <a:pt x="55860510" y="4858702"/>
+                </a:lnTo>
+                <a:close/>
+                <a:moveTo>
+                  <a:pt x="66418372" y="4749470"/>
+                </a:moveTo>
+                <a:cubicBezTo>
+                  <a:pt x="66493330" y="4748829"/>
+                  <a:pt x="66576936" y="4751071"/>
+                  <a:pt x="66669190" y="4756197"/>
+                </a:cubicBezTo>
+                <a:cubicBezTo>
+                  <a:pt x="66655524" y="5056879"/>
+                  <a:pt x="66594022" y="5275557"/>
+                  <a:pt x="66484682" y="5412231"/>
+                </a:cubicBezTo>
+                <a:cubicBezTo>
+                  <a:pt x="66334341" y="5603575"/>
+                  <a:pt x="66156663" y="5671912"/>
+                  <a:pt x="65951653" y="5617242"/>
+                </a:cubicBezTo>
+                <a:cubicBezTo>
+                  <a:pt x="65828646" y="5589907"/>
+                  <a:pt x="65739808" y="5507903"/>
+                  <a:pt x="65685140" y="5371229"/>
+                </a:cubicBezTo>
+                <a:cubicBezTo>
+                  <a:pt x="65644137" y="5261890"/>
+                  <a:pt x="65650972" y="5159385"/>
+                  <a:pt x="65705639" y="5063713"/>
+                </a:cubicBezTo>
+                <a:cubicBezTo>
+                  <a:pt x="65787644" y="4913372"/>
+                  <a:pt x="65924317" y="4817700"/>
+                  <a:pt x="66115663" y="4776698"/>
+                </a:cubicBezTo>
+                <a:cubicBezTo>
+                  <a:pt x="66192542" y="4759614"/>
+                  <a:pt x="66293443" y="4750538"/>
+                  <a:pt x="66418372" y="4749470"/>
+                </a:cubicBezTo>
+                <a:close/>
+                <a:moveTo>
+                  <a:pt x="45153334" y="4551186"/>
+                </a:moveTo>
+                <a:cubicBezTo>
+                  <a:pt x="45276339" y="4551186"/>
+                  <a:pt x="45372010" y="4605856"/>
+                  <a:pt x="45440349" y="4715195"/>
+                </a:cubicBezTo>
+                <a:cubicBezTo>
+                  <a:pt x="45522353" y="4892871"/>
+                  <a:pt x="45454015" y="5043212"/>
+                  <a:pt x="45235339" y="5166218"/>
+                </a:cubicBezTo>
+                <a:cubicBezTo>
+                  <a:pt x="45126000" y="5234555"/>
+                  <a:pt x="45016661" y="5275557"/>
+                  <a:pt x="44907320" y="5289225"/>
+                </a:cubicBezTo>
+                <a:cubicBezTo>
+                  <a:pt x="44825317" y="5302892"/>
+                  <a:pt x="44756978" y="5289225"/>
+                  <a:pt x="44702310" y="5248223"/>
+                </a:cubicBezTo>
+                <a:cubicBezTo>
+                  <a:pt x="44633973" y="5193553"/>
+                  <a:pt x="44606639" y="5111549"/>
+                  <a:pt x="44620305" y="5002210"/>
+                </a:cubicBezTo>
+                <a:cubicBezTo>
+                  <a:pt x="44647641" y="4838201"/>
+                  <a:pt x="44743312" y="4715195"/>
+                  <a:pt x="44907320" y="4633190"/>
+                </a:cubicBezTo>
+                <a:cubicBezTo>
+                  <a:pt x="45016661" y="4578521"/>
+                  <a:pt x="45098664" y="4551186"/>
+                  <a:pt x="45153334" y="4551186"/>
+                </a:cubicBezTo>
+                <a:close/>
+                <a:moveTo>
+                  <a:pt x="57521098" y="4202668"/>
+                </a:moveTo>
+                <a:lnTo>
+                  <a:pt x="57562101" y="4223169"/>
+                </a:lnTo>
+                <a:lnTo>
+                  <a:pt x="57582600" y="4407678"/>
+                </a:lnTo>
+                <a:lnTo>
+                  <a:pt x="55388988" y="4428179"/>
+                </a:lnTo>
+                <a:lnTo>
+                  <a:pt x="55388988" y="4284672"/>
+                </a:lnTo>
+                <a:lnTo>
+                  <a:pt x="55737506" y="4264171"/>
+                </a:lnTo>
+                <a:close/>
+                <a:moveTo>
+                  <a:pt x="57521098" y="3649139"/>
+                </a:moveTo>
+                <a:lnTo>
+                  <a:pt x="57521098" y="3772145"/>
+                </a:lnTo>
+                <a:lnTo>
+                  <a:pt x="55450491" y="3772145"/>
+                </a:lnTo>
+                <a:lnTo>
+                  <a:pt x="55470993" y="3690141"/>
+                </a:lnTo>
+                <a:close/>
+                <a:moveTo>
+                  <a:pt x="66525684" y="3157113"/>
+                </a:moveTo>
+                <a:lnTo>
+                  <a:pt x="66628188" y="3895152"/>
+                </a:lnTo>
+                <a:cubicBezTo>
+                  <a:pt x="66204501" y="3949821"/>
+                  <a:pt x="65883317" y="4018158"/>
+                  <a:pt x="65664639" y="4100162"/>
+                </a:cubicBezTo>
+                <a:cubicBezTo>
+                  <a:pt x="65322953" y="4236836"/>
+                  <a:pt x="65076943" y="4448681"/>
+                  <a:pt x="64926600" y="4735696"/>
+                </a:cubicBezTo>
+                <a:cubicBezTo>
+                  <a:pt x="64748924" y="5077380"/>
+                  <a:pt x="64755755" y="5439566"/>
+                  <a:pt x="64947101" y="5822253"/>
+                </a:cubicBezTo>
+                <a:cubicBezTo>
+                  <a:pt x="65138445" y="6204940"/>
+                  <a:pt x="65473295" y="6403117"/>
+                  <a:pt x="65951653" y="6416784"/>
+                </a:cubicBezTo>
+                <a:cubicBezTo>
+                  <a:pt x="66211332" y="6416784"/>
+                  <a:pt x="66464180" y="6348447"/>
+                  <a:pt x="66710194" y="6211773"/>
+                </a:cubicBezTo>
+                <a:cubicBezTo>
+                  <a:pt x="66956206" y="6061432"/>
+                  <a:pt x="67147550" y="5870089"/>
+                  <a:pt x="67284224" y="5637743"/>
+                </a:cubicBezTo>
+                <a:cubicBezTo>
+                  <a:pt x="67379894" y="5460067"/>
+                  <a:pt x="67434566" y="5186719"/>
+                  <a:pt x="67448232" y="4817700"/>
+                </a:cubicBezTo>
+                <a:lnTo>
+                  <a:pt x="68083766" y="5084214"/>
+                </a:lnTo>
+                <a:lnTo>
+                  <a:pt x="68309276" y="4264171"/>
+                </a:lnTo>
+                <a:lnTo>
+                  <a:pt x="67427730" y="3956655"/>
+                </a:lnTo>
+                <a:lnTo>
+                  <a:pt x="67386728" y="3218616"/>
+                </a:lnTo>
+                <a:close/>
+                <a:moveTo>
+                  <a:pt x="54671450" y="3157113"/>
+                </a:moveTo>
+                <a:lnTo>
+                  <a:pt x="54568944" y="3833649"/>
+                </a:lnTo>
+                <a:lnTo>
+                  <a:pt x="54343433" y="5658244"/>
+                </a:lnTo>
+                <a:lnTo>
+                  <a:pt x="54794457" y="5596741"/>
+                </a:lnTo>
+                <a:lnTo>
+                  <a:pt x="54015416" y="6068266"/>
+                </a:lnTo>
+                <a:lnTo>
+                  <a:pt x="54835460" y="6601293"/>
+                </a:lnTo>
+                <a:lnTo>
+                  <a:pt x="56086023" y="5740248"/>
+                </a:lnTo>
+                <a:lnTo>
+                  <a:pt x="56086023" y="5719747"/>
+                </a:lnTo>
+                <a:lnTo>
+                  <a:pt x="55778509" y="5555739"/>
+                </a:lnTo>
+                <a:lnTo>
+                  <a:pt x="57193083" y="5494235"/>
+                </a:lnTo>
+                <a:lnTo>
+                  <a:pt x="56865062" y="5760749"/>
+                </a:lnTo>
+                <a:lnTo>
+                  <a:pt x="58013121" y="6437285"/>
+                </a:lnTo>
+                <a:lnTo>
+                  <a:pt x="58259135" y="6580792"/>
+                </a:lnTo>
+                <a:lnTo>
+                  <a:pt x="58956172" y="6068266"/>
+                </a:lnTo>
+                <a:lnTo>
+                  <a:pt x="58956172" y="6047764"/>
+                </a:lnTo>
+                <a:lnTo>
+                  <a:pt x="57992622" y="5494235"/>
+                </a:lnTo>
+                <a:lnTo>
+                  <a:pt x="58607655" y="5514737"/>
+                </a:lnTo>
+                <a:lnTo>
+                  <a:pt x="58628156" y="5371229"/>
+                </a:lnTo>
+                <a:lnTo>
+                  <a:pt x="58546150" y="4202668"/>
+                </a:lnTo>
+                <a:cubicBezTo>
+                  <a:pt x="58518817" y="3847316"/>
+                  <a:pt x="58450481" y="3594470"/>
+                  <a:pt x="58341140" y="3444128"/>
+                </a:cubicBezTo>
+                <a:cubicBezTo>
+                  <a:pt x="58204467" y="3252785"/>
+                  <a:pt x="57951620" y="3157113"/>
+                  <a:pt x="57582600" y="3157113"/>
+                </a:cubicBezTo>
+                <a:close/>
+                <a:moveTo>
+                  <a:pt x="61714367" y="3001353"/>
+                </a:moveTo>
+                <a:cubicBezTo>
+                  <a:pt x="61368734" y="2999271"/>
+                  <a:pt x="60996030" y="3064858"/>
+                  <a:pt x="60596259" y="3198115"/>
+                </a:cubicBezTo>
+                <a:cubicBezTo>
+                  <a:pt x="60254574" y="3307454"/>
+                  <a:pt x="59783049" y="3560301"/>
+                  <a:pt x="59181683" y="3956655"/>
+                </a:cubicBezTo>
+                <a:lnTo>
+                  <a:pt x="59673711" y="4653691"/>
+                </a:lnTo>
+                <a:cubicBezTo>
+                  <a:pt x="60261407" y="4284672"/>
+                  <a:pt x="60767100" y="4031825"/>
+                  <a:pt x="61190790" y="3895152"/>
+                </a:cubicBezTo>
+                <a:cubicBezTo>
+                  <a:pt x="61587144" y="3758478"/>
+                  <a:pt x="61908328" y="3731143"/>
+                  <a:pt x="62154340" y="3813148"/>
+                </a:cubicBezTo>
+                <a:cubicBezTo>
+                  <a:pt x="62318350" y="3867817"/>
+                  <a:pt x="62434522" y="3970322"/>
+                  <a:pt x="62502860" y="4120663"/>
+                </a:cubicBezTo>
+                <a:cubicBezTo>
+                  <a:pt x="62557529" y="4257337"/>
+                  <a:pt x="62557529" y="4414512"/>
+                  <a:pt x="62502860" y="4592188"/>
+                </a:cubicBezTo>
+                <a:cubicBezTo>
+                  <a:pt x="62420854" y="4851869"/>
+                  <a:pt x="62222677" y="5104715"/>
+                  <a:pt x="61908328" y="5350728"/>
+                </a:cubicBezTo>
+                <a:cubicBezTo>
+                  <a:pt x="61662315" y="5542071"/>
+                  <a:pt x="61416301" y="5726581"/>
+                  <a:pt x="61170290" y="5904257"/>
+                </a:cubicBezTo>
+                <a:lnTo>
+                  <a:pt x="61887828" y="6519289"/>
+                </a:lnTo>
+                <a:cubicBezTo>
+                  <a:pt x="62270512" y="6232274"/>
+                  <a:pt x="62543862" y="6006762"/>
+                  <a:pt x="62707870" y="5842754"/>
+                </a:cubicBezTo>
+                <a:cubicBezTo>
+                  <a:pt x="63076890" y="5487402"/>
+                  <a:pt x="63309234" y="5138884"/>
+                  <a:pt x="63404907" y="4797199"/>
+                </a:cubicBezTo>
+                <a:cubicBezTo>
+                  <a:pt x="63514244" y="4428179"/>
+                  <a:pt x="63459575" y="4065994"/>
+                  <a:pt x="63240897" y="3710642"/>
+                </a:cubicBezTo>
+                <a:cubicBezTo>
+                  <a:pt x="62981215" y="3300621"/>
+                  <a:pt x="62550694" y="3068275"/>
+                  <a:pt x="61949330" y="3013605"/>
+                </a:cubicBezTo>
+                <a:cubicBezTo>
+                  <a:pt x="61872452" y="3005918"/>
+                  <a:pt x="61794130" y="3001833"/>
+                  <a:pt x="61714367" y="3001353"/>
+                </a:cubicBezTo>
+                <a:close/>
+                <a:moveTo>
+                  <a:pt x="45316062" y="2900850"/>
+                </a:moveTo>
+                <a:cubicBezTo>
+                  <a:pt x="45169990" y="2900850"/>
+                  <a:pt x="45020076" y="2931601"/>
+                  <a:pt x="44866319" y="2993104"/>
+                </a:cubicBezTo>
+                <a:cubicBezTo>
+                  <a:pt x="44756978" y="3034106"/>
+                  <a:pt x="44579303" y="3157113"/>
+                  <a:pt x="44333290" y="3362124"/>
+                </a:cubicBezTo>
+                <a:lnTo>
+                  <a:pt x="44845818" y="3813147"/>
+                </a:lnTo>
+                <a:cubicBezTo>
+                  <a:pt x="45023494" y="3662806"/>
+                  <a:pt x="45160167" y="3573968"/>
+                  <a:pt x="45255838" y="3546634"/>
+                </a:cubicBezTo>
+                <a:cubicBezTo>
+                  <a:pt x="45406181" y="3505631"/>
+                  <a:pt x="45501852" y="3539800"/>
+                  <a:pt x="45542853" y="3649139"/>
+                </a:cubicBezTo>
+                <a:cubicBezTo>
+                  <a:pt x="45570189" y="3731143"/>
+                  <a:pt x="45563356" y="3915653"/>
+                  <a:pt x="45522353" y="4202668"/>
+                </a:cubicBezTo>
+                <a:cubicBezTo>
+                  <a:pt x="45385678" y="4079661"/>
+                  <a:pt x="45269506" y="4004491"/>
+                  <a:pt x="45173835" y="3977156"/>
+                </a:cubicBezTo>
+                <a:cubicBezTo>
+                  <a:pt x="45023494" y="3936154"/>
+                  <a:pt x="44886819" y="3922486"/>
+                  <a:pt x="44763813" y="3936154"/>
+                </a:cubicBezTo>
+                <a:cubicBezTo>
+                  <a:pt x="44463130" y="3977156"/>
+                  <a:pt x="44217118" y="4141164"/>
+                  <a:pt x="44025774" y="4428179"/>
+                </a:cubicBezTo>
+                <a:cubicBezTo>
+                  <a:pt x="43889101" y="4633190"/>
+                  <a:pt x="43820764" y="4858702"/>
+                  <a:pt x="43820764" y="5104715"/>
+                </a:cubicBezTo>
+                <a:cubicBezTo>
+                  <a:pt x="43820764" y="5405397"/>
+                  <a:pt x="43882266" y="5624076"/>
+                  <a:pt x="44005273" y="5760749"/>
+                </a:cubicBezTo>
+                <a:cubicBezTo>
+                  <a:pt x="44210285" y="5979427"/>
+                  <a:pt x="44442629" y="6054598"/>
+                  <a:pt x="44702310" y="5986261"/>
+                </a:cubicBezTo>
+                <a:cubicBezTo>
+                  <a:pt x="44852651" y="5945259"/>
+                  <a:pt x="45071329" y="5815419"/>
+                  <a:pt x="45358344" y="5596741"/>
+                </a:cubicBezTo>
+                <a:lnTo>
+                  <a:pt x="45235339" y="5965760"/>
+                </a:lnTo>
+                <a:lnTo>
+                  <a:pt x="46157886" y="5924758"/>
+                </a:lnTo>
+                <a:lnTo>
+                  <a:pt x="46239891" y="4428179"/>
+                </a:lnTo>
+                <a:cubicBezTo>
+                  <a:pt x="46253557" y="4141164"/>
+                  <a:pt x="46246724" y="3901985"/>
+                  <a:pt x="46219390" y="3710642"/>
+                </a:cubicBezTo>
+                <a:cubicBezTo>
+                  <a:pt x="46192054" y="3532966"/>
+                  <a:pt x="46144218" y="3389459"/>
+                  <a:pt x="46075882" y="3280120"/>
+                </a:cubicBezTo>
+                <a:cubicBezTo>
+                  <a:pt x="45939208" y="3075109"/>
+                  <a:pt x="45734196" y="2952102"/>
+                  <a:pt x="45460850" y="2911100"/>
+                </a:cubicBezTo>
+                <a:cubicBezTo>
+                  <a:pt x="45413013" y="2904267"/>
+                  <a:pt x="45364751" y="2900850"/>
+                  <a:pt x="45316062" y="2900850"/>
+                </a:cubicBezTo>
+                <a:close/>
+                <a:moveTo>
+                  <a:pt x="48028698" y="2888677"/>
+                </a:moveTo>
+                <a:cubicBezTo>
+                  <a:pt x="47892238" y="2884833"/>
+                  <a:pt x="47747128" y="2905975"/>
+                  <a:pt x="47593370" y="2952102"/>
+                </a:cubicBezTo>
+                <a:cubicBezTo>
+                  <a:pt x="47224352" y="3061441"/>
+                  <a:pt x="46944170" y="3368958"/>
+                  <a:pt x="46752827" y="3874650"/>
+                </a:cubicBezTo>
+                <a:cubicBezTo>
+                  <a:pt x="46506812" y="4544352"/>
+                  <a:pt x="46520482" y="5091048"/>
+                  <a:pt x="46793829" y="5514737"/>
+                </a:cubicBezTo>
+                <a:cubicBezTo>
+                  <a:pt x="46930502" y="5733414"/>
+                  <a:pt x="47115013" y="5870089"/>
+                  <a:pt x="47347357" y="5924758"/>
+                </a:cubicBezTo>
+                <a:cubicBezTo>
+                  <a:pt x="47579703" y="5979427"/>
+                  <a:pt x="47805215" y="5972594"/>
+                  <a:pt x="48023893" y="5904257"/>
+                </a:cubicBezTo>
+                <a:cubicBezTo>
+                  <a:pt x="48228903" y="5835920"/>
+                  <a:pt x="48399747" y="5733414"/>
+                  <a:pt x="48536420" y="5596741"/>
+                </a:cubicBezTo>
+                <a:cubicBezTo>
+                  <a:pt x="48645759" y="5487402"/>
+                  <a:pt x="48761932" y="5323393"/>
+                  <a:pt x="48884939" y="5104715"/>
+                </a:cubicBezTo>
+                <a:lnTo>
+                  <a:pt x="48515917" y="4797199"/>
+                </a:lnTo>
+                <a:cubicBezTo>
+                  <a:pt x="48324575" y="5015877"/>
+                  <a:pt x="48174234" y="5159385"/>
+                  <a:pt x="48064895" y="5227721"/>
+                </a:cubicBezTo>
+                <a:cubicBezTo>
+                  <a:pt x="47887219" y="5337061"/>
+                  <a:pt x="47709543" y="5323393"/>
+                  <a:pt x="47531868" y="5186719"/>
+                </a:cubicBezTo>
+                <a:cubicBezTo>
+                  <a:pt x="47449863" y="5132050"/>
+                  <a:pt x="47402028" y="4995376"/>
+                  <a:pt x="47388360" y="4776698"/>
+                </a:cubicBezTo>
+                <a:cubicBezTo>
+                  <a:pt x="47374692" y="4612689"/>
+                  <a:pt x="47402028" y="4400845"/>
+                  <a:pt x="47470364" y="4141164"/>
+                </a:cubicBezTo>
+                <a:cubicBezTo>
+                  <a:pt x="47511367" y="3963489"/>
+                  <a:pt x="47586536" y="3819981"/>
+                  <a:pt x="47695875" y="3710642"/>
+                </a:cubicBezTo>
+                <a:cubicBezTo>
+                  <a:pt x="47805215" y="3601303"/>
+                  <a:pt x="47914554" y="3553467"/>
+                  <a:pt x="48023893" y="3567134"/>
+                </a:cubicBezTo>
+                <a:cubicBezTo>
+                  <a:pt x="48119565" y="3580802"/>
+                  <a:pt x="48174234" y="3662806"/>
+                  <a:pt x="48187900" y="3813147"/>
+                </a:cubicBezTo>
+                <a:cubicBezTo>
+                  <a:pt x="48187900" y="3895152"/>
+                  <a:pt x="48181067" y="4004491"/>
+                  <a:pt x="48167401" y="4141164"/>
+                </a:cubicBezTo>
+                <a:lnTo>
+                  <a:pt x="48864437" y="4161665"/>
+                </a:lnTo>
+                <a:cubicBezTo>
+                  <a:pt x="48905440" y="3915653"/>
+                  <a:pt x="48912273" y="3724309"/>
+                  <a:pt x="48884939" y="3587636"/>
+                </a:cubicBezTo>
+                <a:cubicBezTo>
+                  <a:pt x="48871271" y="3396292"/>
+                  <a:pt x="48789266" y="3239117"/>
+                  <a:pt x="48638924" y="3116111"/>
+                </a:cubicBezTo>
+                <a:cubicBezTo>
+                  <a:pt x="48459541" y="2970895"/>
+                  <a:pt x="48256130" y="2895084"/>
+                  <a:pt x="48028698" y="2888677"/>
+                </a:cubicBezTo>
+                <a:close/>
+                <a:moveTo>
+                  <a:pt x="55491492" y="2173062"/>
+                </a:moveTo>
+                <a:lnTo>
+                  <a:pt x="55450491" y="2460077"/>
+                </a:lnTo>
+                <a:lnTo>
+                  <a:pt x="54999467" y="2480578"/>
+                </a:lnTo>
+                <a:lnTo>
+                  <a:pt x="55040470" y="2214064"/>
+                </a:lnTo>
+                <a:close/>
+                <a:moveTo>
+                  <a:pt x="56742057" y="2111558"/>
+                </a:moveTo>
+                <a:lnTo>
+                  <a:pt x="56762558" y="2460077"/>
+                </a:lnTo>
+                <a:lnTo>
+                  <a:pt x="56209028" y="2460077"/>
+                </a:lnTo>
+                <a:lnTo>
+                  <a:pt x="56250032" y="2132059"/>
+                </a:lnTo>
+                <a:close/>
+                <a:moveTo>
+                  <a:pt x="57521098" y="2091057"/>
+                </a:moveTo>
+                <a:lnTo>
+                  <a:pt x="57951620" y="2111558"/>
+                </a:lnTo>
+                <a:lnTo>
+                  <a:pt x="57972121" y="2480578"/>
+                </a:lnTo>
+                <a:lnTo>
+                  <a:pt x="57521098" y="2460077"/>
+                </a:lnTo>
+                <a:close/>
+                <a:moveTo>
+                  <a:pt x="60206739" y="1824543"/>
+                </a:moveTo>
+                <a:lnTo>
+                  <a:pt x="60022230" y="2460077"/>
+                </a:lnTo>
+                <a:cubicBezTo>
+                  <a:pt x="60678264" y="2514746"/>
+                  <a:pt x="61108785" y="2555748"/>
+                  <a:pt x="61313795" y="2583083"/>
+                </a:cubicBezTo>
+                <a:cubicBezTo>
+                  <a:pt x="61600812" y="2624085"/>
+                  <a:pt x="61976664" y="2699256"/>
+                  <a:pt x="62441357" y="2808595"/>
+                </a:cubicBezTo>
+                <a:lnTo>
+                  <a:pt x="62625865" y="2173062"/>
+                </a:lnTo>
+                <a:cubicBezTo>
+                  <a:pt x="61969831" y="2022720"/>
+                  <a:pt x="61539308" y="1933882"/>
+                  <a:pt x="61334298" y="1906548"/>
+                </a:cubicBezTo>
+                <a:cubicBezTo>
+                  <a:pt x="61156621" y="1879213"/>
+                  <a:pt x="60780770" y="1851878"/>
+                  <a:pt x="60206739" y="1824543"/>
+                </a:cubicBezTo>
+                <a:close/>
+                <a:moveTo>
+                  <a:pt x="50567886" y="1824543"/>
+                </a:moveTo>
+                <a:lnTo>
+                  <a:pt x="50301372" y="2378072"/>
+                </a:lnTo>
+                <a:lnTo>
+                  <a:pt x="49173814" y="2439576"/>
+                </a:lnTo>
+                <a:lnTo>
+                  <a:pt x="49194316" y="3198115"/>
+                </a:lnTo>
+                <a:lnTo>
+                  <a:pt x="49952854" y="3116111"/>
+                </a:lnTo>
+                <a:lnTo>
+                  <a:pt x="49173814" y="4879203"/>
+                </a:lnTo>
+                <a:lnTo>
+                  <a:pt x="49932353" y="5207220"/>
+                </a:lnTo>
+                <a:lnTo>
+                  <a:pt x="50178367" y="4551186"/>
+                </a:lnTo>
+                <a:cubicBezTo>
+                  <a:pt x="50602055" y="4168499"/>
+                  <a:pt x="50991576" y="3977156"/>
+                  <a:pt x="51346929" y="3977156"/>
+                </a:cubicBezTo>
+                <a:cubicBezTo>
+                  <a:pt x="51456266" y="3977156"/>
+                  <a:pt x="51545106" y="3997657"/>
+                  <a:pt x="51613441" y="4038659"/>
+                </a:cubicBezTo>
+                <a:cubicBezTo>
+                  <a:pt x="51408431" y="4106996"/>
+                  <a:pt x="51258089" y="4168499"/>
+                  <a:pt x="51162420" y="4223169"/>
+                </a:cubicBezTo>
+                <a:cubicBezTo>
+                  <a:pt x="51053079" y="4277838"/>
+                  <a:pt x="50923239" y="4373510"/>
+                  <a:pt x="50772898" y="4510184"/>
+                </a:cubicBezTo>
+                <a:cubicBezTo>
+                  <a:pt x="50595222" y="4674192"/>
+                  <a:pt x="50458548" y="4872370"/>
+                  <a:pt x="50362876" y="5104715"/>
+                </a:cubicBezTo>
+                <a:cubicBezTo>
+                  <a:pt x="50267205" y="5350728"/>
+                  <a:pt x="50253537" y="5596741"/>
+                  <a:pt x="50321873" y="5842754"/>
+                </a:cubicBezTo>
+                <a:cubicBezTo>
+                  <a:pt x="50390212" y="6075099"/>
+                  <a:pt x="50540552" y="6239108"/>
+                  <a:pt x="50772898" y="6334779"/>
+                </a:cubicBezTo>
+                <a:cubicBezTo>
+                  <a:pt x="51141919" y="6485121"/>
+                  <a:pt x="51640777" y="6478287"/>
+                  <a:pt x="52269475" y="6314278"/>
+                </a:cubicBezTo>
+                <a:cubicBezTo>
+                  <a:pt x="52501823" y="6259609"/>
+                  <a:pt x="52802504" y="6143436"/>
+                  <a:pt x="53171523" y="5965760"/>
+                </a:cubicBezTo>
+                <a:lnTo>
+                  <a:pt x="52823003" y="5268724"/>
+                </a:lnTo>
+                <a:cubicBezTo>
+                  <a:pt x="52358315" y="5501069"/>
+                  <a:pt x="51982460" y="5630910"/>
+                  <a:pt x="51695445" y="5658244"/>
+                </a:cubicBezTo>
+                <a:cubicBezTo>
+                  <a:pt x="51572438" y="5671912"/>
+                  <a:pt x="51469934" y="5671912"/>
+                  <a:pt x="51387930" y="5658244"/>
+                </a:cubicBezTo>
+                <a:cubicBezTo>
+                  <a:pt x="51251256" y="5630910"/>
+                  <a:pt x="51176085" y="5548905"/>
+                  <a:pt x="51162420" y="5412231"/>
+                </a:cubicBezTo>
+                <a:cubicBezTo>
+                  <a:pt x="51162420" y="5289225"/>
+                  <a:pt x="51230755" y="5173052"/>
+                  <a:pt x="51367428" y="5063713"/>
+                </a:cubicBezTo>
+                <a:cubicBezTo>
+                  <a:pt x="51463099" y="4981709"/>
+                  <a:pt x="51620276" y="4892871"/>
+                  <a:pt x="51838954" y="4797199"/>
+                </a:cubicBezTo>
+                <a:lnTo>
+                  <a:pt x="51859455" y="5207220"/>
+                </a:lnTo>
+                <a:lnTo>
+                  <a:pt x="52658996" y="5186719"/>
+                </a:lnTo>
+                <a:lnTo>
+                  <a:pt x="52597494" y="4346175"/>
+                </a:lnTo>
+                <a:lnTo>
+                  <a:pt x="53745553" y="4038659"/>
+                </a:lnTo>
+                <a:lnTo>
+                  <a:pt x="53356032" y="3300621"/>
+                </a:lnTo>
+                <a:lnTo>
+                  <a:pt x="52412983" y="3628638"/>
+                </a:lnTo>
+                <a:cubicBezTo>
+                  <a:pt x="52262642" y="3355290"/>
+                  <a:pt x="52043964" y="3211783"/>
+                  <a:pt x="51756949" y="3198115"/>
+                </a:cubicBezTo>
+                <a:cubicBezTo>
+                  <a:pt x="51592940" y="3184448"/>
+                  <a:pt x="51401598" y="3211783"/>
+                  <a:pt x="51182918" y="3280120"/>
+                </a:cubicBezTo>
+                <a:cubicBezTo>
+                  <a:pt x="51087248" y="3307454"/>
+                  <a:pt x="50902738" y="3382625"/>
+                  <a:pt x="50629389" y="3505631"/>
+                </a:cubicBezTo>
+                <a:lnTo>
+                  <a:pt x="50875402" y="3013605"/>
+                </a:lnTo>
+                <a:lnTo>
+                  <a:pt x="52556490" y="2993104"/>
+                </a:lnTo>
+                <a:lnTo>
+                  <a:pt x="52556490" y="2316569"/>
+                </a:lnTo>
+                <a:lnTo>
+                  <a:pt x="51223920" y="2357571"/>
+                </a:lnTo>
+                <a:lnTo>
+                  <a:pt x="51428932" y="2009053"/>
+                </a:lnTo>
+                <a:close/>
+                <a:moveTo>
+                  <a:pt x="66915204" y="1804042"/>
+                </a:moveTo>
+                <a:lnTo>
+                  <a:pt x="66423178" y="2316569"/>
+                </a:lnTo>
+                <a:lnTo>
+                  <a:pt x="67878754" y="3218616"/>
+                </a:lnTo>
+                <a:lnTo>
+                  <a:pt x="68309276" y="2644586"/>
+                </a:lnTo>
+                <a:close/>
+                <a:moveTo>
+                  <a:pt x="64803594" y="1804042"/>
+                </a:moveTo>
+                <a:lnTo>
+                  <a:pt x="64516578" y="2521580"/>
+                </a:lnTo>
+                <a:lnTo>
+                  <a:pt x="63737538" y="2603584"/>
+                </a:lnTo>
+                <a:lnTo>
+                  <a:pt x="63737538" y="3362124"/>
+                </a:lnTo>
+                <a:lnTo>
+                  <a:pt x="64250064" y="3259618"/>
+                </a:lnTo>
+                <a:lnTo>
+                  <a:pt x="63737538" y="5043212"/>
+                </a:lnTo>
+                <a:lnTo>
+                  <a:pt x="64516578" y="5309726"/>
+                </a:lnTo>
+                <a:lnTo>
+                  <a:pt x="65172612" y="3136612"/>
+                </a:lnTo>
+                <a:lnTo>
+                  <a:pt x="66095160" y="3054608"/>
+                </a:lnTo>
+                <a:lnTo>
+                  <a:pt x="66136164" y="2460077"/>
+                </a:lnTo>
+                <a:lnTo>
+                  <a:pt x="65418626" y="2480578"/>
+                </a:lnTo>
+                <a:lnTo>
+                  <a:pt x="65623636" y="1968051"/>
+                </a:lnTo>
+                <a:close/>
+                <a:moveTo>
+                  <a:pt x="42751284" y="1722038"/>
+                </a:moveTo>
+                <a:lnTo>
+                  <a:pt x="41767233" y="4059160"/>
+                </a:lnTo>
+                <a:lnTo>
+                  <a:pt x="41193203" y="2070556"/>
+                </a:lnTo>
+                <a:cubicBezTo>
+                  <a:pt x="41111198" y="1838211"/>
+                  <a:pt x="40954024" y="1728872"/>
+                  <a:pt x="40721679" y="1742539"/>
+                </a:cubicBezTo>
+                <a:lnTo>
+                  <a:pt x="40168149" y="1763040"/>
+                </a:lnTo>
+                <a:lnTo>
+                  <a:pt x="40065645" y="3854150"/>
+                </a:lnTo>
+                <a:lnTo>
+                  <a:pt x="39963139" y="5965760"/>
+                </a:lnTo>
+                <a:lnTo>
+                  <a:pt x="40885687" y="5945259"/>
+                </a:lnTo>
+                <a:lnTo>
+                  <a:pt x="40947191" y="3833648"/>
+                </a:lnTo>
+                <a:lnTo>
+                  <a:pt x="41213704" y="4633190"/>
+                </a:lnTo>
+                <a:lnTo>
+                  <a:pt x="41459717" y="5391730"/>
+                </a:lnTo>
+                <a:cubicBezTo>
+                  <a:pt x="41487053" y="5487402"/>
+                  <a:pt x="41534887" y="5548905"/>
+                  <a:pt x="41603225" y="5576240"/>
+                </a:cubicBezTo>
+                <a:cubicBezTo>
+                  <a:pt x="41671562" y="5603575"/>
+                  <a:pt x="41746733" y="5596741"/>
+                  <a:pt x="41828736" y="5555739"/>
+                </a:cubicBezTo>
+                <a:cubicBezTo>
+                  <a:pt x="41910741" y="5514737"/>
+                  <a:pt x="41999579" y="5398564"/>
+                  <a:pt x="42095250" y="5207220"/>
+                </a:cubicBezTo>
+                <a:lnTo>
+                  <a:pt x="42730785" y="3874650"/>
+                </a:lnTo>
+                <a:lnTo>
+                  <a:pt x="42607778" y="5945259"/>
+                </a:lnTo>
+                <a:lnTo>
+                  <a:pt x="43550827" y="5965760"/>
+                </a:lnTo>
+                <a:lnTo>
+                  <a:pt x="43530325" y="2234565"/>
+                </a:lnTo>
+                <a:cubicBezTo>
+                  <a:pt x="43530325" y="2070556"/>
+                  <a:pt x="43475657" y="1933882"/>
+                  <a:pt x="43366318" y="1824543"/>
+                </a:cubicBezTo>
+                <a:cubicBezTo>
+                  <a:pt x="43297979" y="1756206"/>
+                  <a:pt x="43188642" y="1722038"/>
+                  <a:pt x="43038301" y="1722038"/>
+                </a:cubicBezTo>
+                <a:close/>
+                <a:moveTo>
+                  <a:pt x="54220426" y="1599031"/>
+                </a:moveTo>
+                <a:lnTo>
+                  <a:pt x="53974414" y="3136612"/>
+                </a:lnTo>
+                <a:lnTo>
+                  <a:pt x="55963016" y="3034106"/>
+                </a:lnTo>
+                <a:lnTo>
+                  <a:pt x="58853666" y="2972603"/>
+                </a:lnTo>
+                <a:cubicBezTo>
+                  <a:pt x="58853666" y="2740258"/>
+                  <a:pt x="58846835" y="2555748"/>
+                  <a:pt x="58833167" y="2419074"/>
+                </a:cubicBezTo>
+                <a:cubicBezTo>
+                  <a:pt x="58819499" y="2200396"/>
+                  <a:pt x="58778498" y="2029554"/>
+                  <a:pt x="58710160" y="1906548"/>
+                </a:cubicBezTo>
+                <a:cubicBezTo>
+                  <a:pt x="58655489" y="1783541"/>
+                  <a:pt x="58559820" y="1701537"/>
+                  <a:pt x="58423146" y="1660535"/>
+                </a:cubicBezTo>
+                <a:cubicBezTo>
+                  <a:pt x="58341140" y="1633200"/>
+                  <a:pt x="58211302" y="1619532"/>
+                  <a:pt x="58033624" y="1619532"/>
+                </a:cubicBezTo>
+                <a:close/>
+                <a:moveTo>
+                  <a:pt x="0" y="0"/>
+                </a:moveTo>
+                <a:lnTo>
+                  <a:pt x="111709200" y="0"/>
+                </a:lnTo>
+                <a:lnTo>
+                  <a:pt x="111709200" y="7467600"/>
+                </a:lnTo>
+                <a:lnTo>
+                  <a:pt x="0" y="7467600"/>
+                </a:lnTo>
+                <a:close/>
+              </a:path>
+            </a:pathLst>
+          </a:custGeom>
+          <a:solidFill>
+            <a:schemeClr val="bg1"/>
+          </a:solidFill>
+          <a:ln>
+            <a:noFill/>
+          </a:ln>
+        </p:spPr>
+        <p:style>
+          <a:lnRef idx="2">
+            <a:schemeClr val="accent1">
+              <a:shade val="50000"/>
+            </a:schemeClr>
+          </a:lnRef>
+          <a:fillRef idx="1">
+            <a:schemeClr val="accent1"/>
+          </a:fillRef>
+          <a:effectRef idx="0">
+            <a:schemeClr val="accent1"/>
+          </a:effectRef>
+          <a:fontRef idx="minor">
+            <a:schemeClr val="lt1"/>
+          </a:fontRef>
+        </p:style>
+        <p:txBody>
+          <a:bodyPr wrap="square" rtlCol="0" anchor="ctr">
+            <a:noAutofit/>
+          </a:bodyPr>
+          <a:lstStyle/>
+          <a:p>
+            <a:pPr algn="ctr"/>
+            <a:endParaRPr kumimoji="1" lang="ja-JP" altLang="en-US"/>
+          </a:p>
+        </p:txBody>
+      </p:sp>
+    </p:spTree>
+    <p:extLst>
+      <p:ext uri="{BB962C8B-B14F-4D97-AF65-F5344CB8AC3E}">
+        <p14:creationId xmlns:p14="http://schemas.microsoft.com/office/powerpoint/2010/main" val="2088637288"/>
+      </p:ext>
+    </p:extLst>
+  </p:cSld>
+  <p:clrMapOvr>
+    <a:masterClrMapping/>
+  </p:clrMapOvr>
+  <p:timing>
+    <p:tnLst>
+      <p:par>
+        <p:cTn id="1" dur="indefinite" restart="never" nodeType="tmRoot">
+          <p:childTnLst>
+            <p:seq concurrent="1" nextAc="seek">
+              <p:cTn id="2" dur="indefinite" nodeType="mainSeq">
+                <p:childTnLst>
+                  <p:par>
+                    <p:cTn id="3" fill="hold">
+                      <p:stCondLst>
+                        <p:cond delay="indefinite"/>
+                        <p:cond evt="onBegin" delay="0">
+                          <p:tn val="2"/>
+                        </p:cond>
+                      </p:stCondLst>
+                      <p:childTnLst>
+                        <p:par>
+                          <p:cTn id="4" fill="hold">
+                            <p:stCondLst>
+                              <p:cond delay="0"/>
+                            </p:stCondLst>
+                            <p:childTnLst>
+                              <p:par>
+                                <p:cTn id="5" presetID="42" presetClass="path" presetSubtype="0" repeatCount="indefinite" fill="hold" nodeType="withEffect">
+                                  <p:stCondLst>
+                                    <p:cond delay="0"/>
+                                  </p:stCondLst>
+                                  <p:endCondLst>
+                                    <p:cond evt="onNext" delay="0">
+                                      <p:tgtEl>
+                                        <p:sldTgt/>
+                                      </p:tgtEl>
+                                    </p:cond>
+                                  </p:endCondLst>
+                                  <p:childTnLst>
+                                    <p:animMotion origin="layout" path="M -3.125E-6 0 L 0.92357 0 " pathEditMode="relative" rAng="0" ptsTypes="AA">
+                                      <p:cBhvr>
+                                        <p:cTn id="6" dur="600" fill="hold"/>
+                                        <p:tgtEl>
+                                          <p:spTgt spid="18"/>
+                                        </p:tgtEl>
+                                        <p:attrNameLst>
+                                          <p:attrName>ppt_x</p:attrName>
+                                          <p:attrName>ppt_y</p:attrName>
+                                        </p:attrNameLst>
+                                      </p:cBhvr>
+                                      <p:rCtr x="46172" y="0"/>
+                                    </p:animMotion>
+                                  </p:childTnLst>
+                                </p:cTn>
+                              </p:par>
+                              <p:par>
+                                <p:cTn id="7" presetID="42" presetClass="path" presetSubtype="0" repeatCount="indefinite" fill="remove" grpId="0" nodeType="withEffect">
+                                  <p:stCondLst>
+                                    <p:cond delay="0"/>
+                                  </p:stCondLst>
+                                  <p:endCondLst>
+                                    <p:cond evt="onNext" delay="0">
+                                      <p:tgtEl>
+                                        <p:sldTgt/>
+                                      </p:tgtEl>
+                                    </p:cond>
+                                  </p:endCondLst>
+                                  <p:childTnLst>
+                                    <p:animMotion origin="layout" path="M -4.44089E-16 -4.44444E-6 L -5.28464 -0.00092 " pathEditMode="relative" rAng="0" ptsTypes="AA">
+                                      <p:cBhvr>
+                                        <p:cTn id="8" dur="3000" fill="hold"/>
+                                        <p:tgtEl>
+                                          <p:spTgt spid="11"/>
+                                        </p:tgtEl>
+                                        <p:attrNameLst>
+                                          <p:attrName>ppt_x</p:attrName>
+                                          <p:attrName>ppt_y</p:attrName>
+                                        </p:attrNameLst>
+                                      </p:cBhvr>
+                                      <p:rCtr x="-264232" y="-46"/>
+                                    </p:animMotion>
+                                  </p:childTnLst>
+                                </p:cTn>
+                              </p:par>
+                            </p:childTnLst>
+                          </p:cTn>
+                        </p:par>
+                      </p:childTnLst>
+                    </p:cTn>
+                  </p:par>
+                </p:childTnLst>
+              </p:cTn>
+              <p:prevCondLst>
+                <p:cond evt="onPrev" delay="0">
+                  <p:tgtEl>
+                    <p:sldTgt/>
+                  </p:tgtEl>
+                </p:cond>
+              </p:prevCondLst>
+              <p:nextCondLst>
+                <p:cond evt="onNext" delay="0">
+                  <p:tgtEl>
+                    <p:sldTgt/>
+                  </p:tgtEl>
+                </p:cond>
+              </p:nextCondLst>
+            </p:seq>
+          </p:childTnLst>
+        </p:cTn>
+      </p:par>
+    </p:tnLst>
+    <p:bldLst>
+      <p:bldP spid="11" grpId="0" animBg="1"/>
+    </p:bldLst>
+  </p:timing>
+</p:sld>
+</file>
+
+<file path=ppt/slides/slide7.xml><?xml version="1.0" encoding="utf-8"?>
+<p:sld xmlns:a="http://schemas.openxmlformats.org/drawingml/2006/main" xmlns:r="http://schemas.openxmlformats.org/officeDocument/2006/relationships" xmlns:p="http://schemas.openxmlformats.org/presentationml/2006/main">
+  <p:cSld>
+    <p:spTree>
+      <p:nvGrpSpPr>
+        <p:cNvPr id="1" name=""/>
+        <p:cNvGrpSpPr/>
+        <p:nvPr/>
+      </p:nvGrpSpPr>
+      <p:grpSpPr>
+        <a:xfrm>
+          <a:off x="0" y="0"/>
+          <a:ext cx="0" cy="0"/>
+          <a:chOff x="0" y="0"/>
+          <a:chExt cx="0" cy="0"/>
+        </a:xfrm>
+      </p:grpSpPr>
+      <p:grpSp>
+        <p:nvGrpSpPr>
           <p:cNvPr id="10" name="グループ化 9">
             <a:extLst>
               <a:ext uri="{FF2B5EF4-FFF2-40B4-BE49-F238E27FC236}">
@@ -7719,7 +9466,7 @@
 </p:sld>
 </file>
 
-<file path=ppt/slides/slide7.xml><?xml version="1.0" encoding="utf-8"?>
+<file path=ppt/slides/slide8.xml><?xml version="1.0" encoding="utf-8"?>
 <p:sld xmlns:a="http://schemas.openxmlformats.org/drawingml/2006/main" xmlns:r="http://schemas.openxmlformats.org/officeDocument/2006/relationships" xmlns:p="http://schemas.openxmlformats.org/presentationml/2006/main">
   <p:cSld>
     <p:spTree>
@@ -8115,6 +9862,515 @@
 </p:sld>
 </file>
 
+<file path=ppt/slides/slide9.xml><?xml version="1.0" encoding="utf-8"?>
+<p:sld xmlns:a="http://schemas.openxmlformats.org/drawingml/2006/main" xmlns:r="http://schemas.openxmlformats.org/officeDocument/2006/relationships" xmlns:p="http://schemas.openxmlformats.org/presentationml/2006/main">
+  <p:cSld>
+    <p:spTree>
+      <p:nvGrpSpPr>
+        <p:cNvPr id="1" name=""/>
+        <p:cNvGrpSpPr/>
+        <p:nvPr/>
+      </p:nvGrpSpPr>
+      <p:grpSpPr>
+        <a:xfrm>
+          <a:off x="0" y="0"/>
+          <a:ext cx="0" cy="0"/>
+          <a:chOff x="0" y="0"/>
+          <a:chExt cx="0" cy="0"/>
+        </a:xfrm>
+      </p:grpSpPr>
+      <p:grpSp>
+        <p:nvGrpSpPr>
+          <p:cNvPr id="24" name="グループ化 23">
+            <a:extLst>
+              <a:ext uri="{FF2B5EF4-FFF2-40B4-BE49-F238E27FC236}">
+                <a16:creationId xmlns:a16="http://schemas.microsoft.com/office/drawing/2014/main" id="{E2F8B3CD-E87A-4E65-9C92-860B411A2434}"/>
+              </a:ext>
+            </a:extLst>
+          </p:cNvPr>
+          <p:cNvGrpSpPr/>
+          <p:nvPr/>
+        </p:nvGrpSpPr>
+        <p:grpSpPr>
+          <a:xfrm>
+            <a:off x="3030584" y="330926"/>
+            <a:ext cx="7193280" cy="6122125"/>
+            <a:chOff x="3030584" y="330926"/>
+            <a:chExt cx="7193280" cy="6122125"/>
+          </a:xfrm>
+        </p:grpSpPr>
+        <p:sp>
+          <p:nvSpPr>
+            <p:cNvPr id="23" name="正方形/長方形 22">
+              <a:extLst>
+                <a:ext uri="{FF2B5EF4-FFF2-40B4-BE49-F238E27FC236}">
+                  <a16:creationId xmlns:a16="http://schemas.microsoft.com/office/drawing/2014/main" id="{03F3C274-ACD7-4111-8865-D2F667028EA6}"/>
+                </a:ext>
+              </a:extLst>
+            </p:cNvPr>
+            <p:cNvSpPr/>
+            <p:nvPr/>
+          </p:nvSpPr>
+          <p:spPr>
+            <a:xfrm>
+              <a:off x="3030584" y="330926"/>
+              <a:ext cx="7193280" cy="6122125"/>
+            </a:xfrm>
+            <a:prstGeom prst="rect">
+              <a:avLst/>
+            </a:prstGeom>
+            <a:solidFill>
+              <a:schemeClr val="bg1"/>
+            </a:solidFill>
+            <a:ln>
+              <a:noFill/>
+            </a:ln>
+          </p:spPr>
+          <p:style>
+            <a:lnRef idx="2">
+              <a:schemeClr val="accent1">
+                <a:shade val="50000"/>
+              </a:schemeClr>
+            </a:lnRef>
+            <a:fillRef idx="1">
+              <a:schemeClr val="accent1"/>
+            </a:fillRef>
+            <a:effectRef idx="0">
+              <a:schemeClr val="accent1"/>
+            </a:effectRef>
+            <a:fontRef idx="minor">
+              <a:schemeClr val="lt1"/>
+            </a:fontRef>
+          </p:style>
+          <p:txBody>
+            <a:bodyPr rtlCol="0" anchor="ctr"/>
+            <a:lstStyle/>
+            <a:p>
+              <a:pPr algn="ctr"/>
+              <a:endParaRPr kumimoji="1" lang="ja-JP" altLang="en-US"/>
+            </a:p>
+          </p:txBody>
+        </p:sp>
+        <p:pic>
+          <p:nvPicPr>
+            <p:cNvPr id="11" name="図 10">
+              <a:extLst>
+                <a:ext uri="{FF2B5EF4-FFF2-40B4-BE49-F238E27FC236}">
+                  <a16:creationId xmlns:a16="http://schemas.microsoft.com/office/drawing/2014/main" id="{9C797820-1E38-4ECE-BCBF-8CB3D751F5B3}"/>
+                </a:ext>
+              </a:extLst>
+            </p:cNvPr>
+            <p:cNvPicPr>
+              <a:picLocks noChangeAspect="1"/>
+            </p:cNvPicPr>
+            <p:nvPr/>
+          </p:nvPicPr>
+          <p:blipFill>
+            <a:blip r:embed="rId2" cstate="print">
+              <a:extLst>
+                <a:ext uri="{28A0092B-C50C-407E-A947-70E740481C1C}">
+                  <a14:useLocalDpi xmlns:a14="http://schemas.microsoft.com/office/drawing/2010/main"/>
+                </a:ext>
+              </a:extLst>
+            </a:blip>
+            <a:srcRect/>
+            <a:stretch>
+              <a:fillRect/>
+            </a:stretch>
+          </p:blipFill>
+          <p:spPr bwMode="auto">
+            <a:xfrm>
+              <a:off x="3219728" y="642257"/>
+              <a:ext cx="6489755" cy="5573485"/>
+            </a:xfrm>
+            <a:prstGeom prst="rect">
+              <a:avLst/>
+            </a:prstGeom>
+            <a:noFill/>
+            <a:ln>
+              <a:noFill/>
+            </a:ln>
+          </p:spPr>
+        </p:pic>
+        <p:sp>
+          <p:nvSpPr>
+            <p:cNvPr id="12" name="テキスト ボックス 11">
+              <a:extLst>
+                <a:ext uri="{FF2B5EF4-FFF2-40B4-BE49-F238E27FC236}">
+                  <a16:creationId xmlns:a16="http://schemas.microsoft.com/office/drawing/2014/main" id="{BFB23489-7F84-4FFB-96C9-EC2531F06435}"/>
+                </a:ext>
+              </a:extLst>
+            </p:cNvPr>
+            <p:cNvSpPr txBox="1"/>
+            <p:nvPr/>
+          </p:nvSpPr>
+          <p:spPr>
+            <a:xfrm>
+              <a:off x="4015741" y="1117878"/>
+              <a:ext cx="895349" cy="236578"/>
+            </a:xfrm>
+            <a:prstGeom prst="rect">
+              <a:avLst/>
+            </a:prstGeom>
+            <a:solidFill>
+              <a:srgbClr val="FFA57D"/>
+            </a:solidFill>
+          </p:spPr>
+          <p:txBody>
+            <a:bodyPr wrap="square" rtlCol="0">
+              <a:spAutoFit/>
+            </a:bodyPr>
+            <a:lstStyle/>
+            <a:p>
+              <a:pPr algn="ctr"/>
+              <a:endParaRPr kumimoji="1" lang="ja-JP" altLang="en-US" b="1" dirty="0">
+                <a:latin typeface="Consolas" panose="020B0609020204030204" pitchFamily="49" charset="0"/>
+              </a:endParaRPr>
+            </a:p>
+          </p:txBody>
+        </p:sp>
+        <p:sp>
+          <p:nvSpPr>
+            <p:cNvPr id="13" name="テキスト ボックス 12">
+              <a:extLst>
+                <a:ext uri="{FF2B5EF4-FFF2-40B4-BE49-F238E27FC236}">
+                  <a16:creationId xmlns:a16="http://schemas.microsoft.com/office/drawing/2014/main" id="{E5E25850-B3DA-4579-8DCF-B99038C2387F}"/>
+                </a:ext>
+              </a:extLst>
+            </p:cNvPr>
+            <p:cNvSpPr txBox="1"/>
+            <p:nvPr/>
+          </p:nvSpPr>
+          <p:spPr>
+            <a:xfrm>
+              <a:off x="3956866" y="1081981"/>
+              <a:ext cx="1013097" cy="369332"/>
+            </a:xfrm>
+            <a:prstGeom prst="rect">
+              <a:avLst/>
+            </a:prstGeom>
+            <a:noFill/>
+          </p:spPr>
+          <p:txBody>
+            <a:bodyPr wrap="square" rtlCol="0">
+              <a:spAutoFit/>
+            </a:bodyPr>
+            <a:lstStyle/>
+            <a:p>
+              <a:pPr algn="ctr"/>
+              <a:r>
+                <a:rPr kumimoji="1" lang="en-US" altLang="ja-JP" b="1" dirty="0">
+                  <a:latin typeface="Consolas" panose="020B0609020204030204" pitchFamily="49" charset="0"/>
+                </a:rPr>
+                <a:t>(bool)</a:t>
+              </a:r>
+              <a:endParaRPr kumimoji="1" lang="ja-JP" altLang="en-US" b="1" dirty="0">
+                <a:latin typeface="Consolas" panose="020B0609020204030204" pitchFamily="49" charset="0"/>
+              </a:endParaRPr>
+            </a:p>
+          </p:txBody>
+        </p:sp>
+        <p:sp>
+          <p:nvSpPr>
+            <p:cNvPr id="15" name="テキスト ボックス 14">
+              <a:extLst>
+                <a:ext uri="{FF2B5EF4-FFF2-40B4-BE49-F238E27FC236}">
+                  <a16:creationId xmlns:a16="http://schemas.microsoft.com/office/drawing/2014/main" id="{81A7BC2D-F2E3-4340-A1E6-8CE498B43F73}"/>
+                </a:ext>
+              </a:extLst>
+            </p:cNvPr>
+            <p:cNvSpPr txBox="1"/>
+            <p:nvPr/>
+          </p:nvSpPr>
+          <p:spPr>
+            <a:xfrm>
+              <a:off x="6179821" y="2842913"/>
+              <a:ext cx="918209" cy="236578"/>
+            </a:xfrm>
+            <a:prstGeom prst="rect">
+              <a:avLst/>
+            </a:prstGeom>
+            <a:solidFill>
+              <a:srgbClr val="FFA57D"/>
+            </a:solidFill>
+          </p:spPr>
+          <p:txBody>
+            <a:bodyPr wrap="square" rtlCol="0">
+              <a:spAutoFit/>
+            </a:bodyPr>
+            <a:lstStyle/>
+            <a:p>
+              <a:pPr algn="ctr"/>
+              <a:endParaRPr kumimoji="1" lang="ja-JP" altLang="en-US" b="1" dirty="0">
+                <a:latin typeface="Consolas" panose="020B0609020204030204" pitchFamily="49" charset="0"/>
+              </a:endParaRPr>
+            </a:p>
+          </p:txBody>
+        </p:sp>
+        <p:sp>
+          <p:nvSpPr>
+            <p:cNvPr id="16" name="テキスト ボックス 15">
+              <a:extLst>
+                <a:ext uri="{FF2B5EF4-FFF2-40B4-BE49-F238E27FC236}">
+                  <a16:creationId xmlns:a16="http://schemas.microsoft.com/office/drawing/2014/main" id="{7181B095-F698-4D76-8CE4-08414A2CD6B9}"/>
+                </a:ext>
+              </a:extLst>
+            </p:cNvPr>
+            <p:cNvSpPr txBox="1"/>
+            <p:nvPr/>
+          </p:nvSpPr>
+          <p:spPr>
+            <a:xfrm>
+              <a:off x="6132376" y="2776536"/>
+              <a:ext cx="1013097" cy="369332"/>
+            </a:xfrm>
+            <a:prstGeom prst="rect">
+              <a:avLst/>
+            </a:prstGeom>
+            <a:noFill/>
+          </p:spPr>
+          <p:txBody>
+            <a:bodyPr wrap="square" rtlCol="0">
+              <a:spAutoFit/>
+            </a:bodyPr>
+            <a:lstStyle/>
+            <a:p>
+              <a:pPr algn="ctr"/>
+              <a:r>
+                <a:rPr kumimoji="1" lang="en-US" altLang="ja-JP" b="1" dirty="0">
+                  <a:latin typeface="Consolas" panose="020B0609020204030204" pitchFamily="49" charset="0"/>
+                </a:rPr>
+                <a:t>(bool)</a:t>
+              </a:r>
+              <a:endParaRPr kumimoji="1" lang="ja-JP" altLang="en-US" b="1" dirty="0">
+                <a:latin typeface="Consolas" panose="020B0609020204030204" pitchFamily="49" charset="0"/>
+              </a:endParaRPr>
+            </a:p>
+          </p:txBody>
+        </p:sp>
+        <p:sp>
+          <p:nvSpPr>
+            <p:cNvPr id="18" name="テキスト ボックス 17">
+              <a:extLst>
+                <a:ext uri="{FF2B5EF4-FFF2-40B4-BE49-F238E27FC236}">
+                  <a16:creationId xmlns:a16="http://schemas.microsoft.com/office/drawing/2014/main" id="{7214D616-B134-4704-95C1-09EDF6031913}"/>
+                </a:ext>
+              </a:extLst>
+            </p:cNvPr>
+            <p:cNvSpPr txBox="1"/>
+            <p:nvPr/>
+          </p:nvSpPr>
+          <p:spPr>
+            <a:xfrm>
+              <a:off x="3245392" y="1690982"/>
+              <a:ext cx="1013098" cy="400110"/>
+            </a:xfrm>
+            <a:prstGeom prst="rect">
+              <a:avLst/>
+            </a:prstGeom>
+            <a:solidFill>
+              <a:schemeClr val="bg1"/>
+            </a:solidFill>
+          </p:spPr>
+          <p:txBody>
+            <a:bodyPr wrap="square" rtlCol="0">
+              <a:spAutoFit/>
+            </a:bodyPr>
+            <a:lstStyle/>
+            <a:p>
+              <a:pPr algn="ctr"/>
+              <a:r>
+                <a:rPr kumimoji="1" lang="en-US" altLang="ja-JP" sz="2000" b="1" dirty="0">
+                  <a:latin typeface="Consolas" panose="020B0609020204030204" pitchFamily="49" charset="0"/>
+                </a:rPr>
+                <a:t>true</a:t>
+              </a:r>
+              <a:endParaRPr kumimoji="1" lang="ja-JP" altLang="en-US" sz="2000" b="1" dirty="0">
+                <a:latin typeface="Consolas" panose="020B0609020204030204" pitchFamily="49" charset="0"/>
+              </a:endParaRPr>
+            </a:p>
+          </p:txBody>
+        </p:sp>
+        <p:sp>
+          <p:nvSpPr>
+            <p:cNvPr id="19" name="テキスト ボックス 18">
+              <a:extLst>
+                <a:ext uri="{FF2B5EF4-FFF2-40B4-BE49-F238E27FC236}">
+                  <a16:creationId xmlns:a16="http://schemas.microsoft.com/office/drawing/2014/main" id="{6056E493-EB75-4BE1-BC91-53F88F76EB5A}"/>
+                </a:ext>
+              </a:extLst>
+            </p:cNvPr>
+            <p:cNvSpPr txBox="1"/>
+            <p:nvPr/>
+          </p:nvSpPr>
+          <p:spPr>
+            <a:xfrm>
+              <a:off x="6820261" y="1723788"/>
+              <a:ext cx="1013098" cy="400110"/>
+            </a:xfrm>
+            <a:prstGeom prst="rect">
+              <a:avLst/>
+            </a:prstGeom>
+            <a:solidFill>
+              <a:schemeClr val="bg1"/>
+            </a:solidFill>
+          </p:spPr>
+          <p:txBody>
+            <a:bodyPr wrap="square" rtlCol="0">
+              <a:spAutoFit/>
+            </a:bodyPr>
+            <a:lstStyle/>
+            <a:p>
+              <a:pPr algn="ctr"/>
+              <a:r>
+                <a:rPr lang="en-US" altLang="ja-JP" sz="2000" b="1" dirty="0">
+                  <a:latin typeface="Consolas" panose="020B0609020204030204" pitchFamily="49" charset="0"/>
+                </a:rPr>
+                <a:t>false</a:t>
+              </a:r>
+              <a:endParaRPr kumimoji="1" lang="ja-JP" altLang="en-US" sz="2000" b="1" dirty="0">
+                <a:latin typeface="Consolas" panose="020B0609020204030204" pitchFamily="49" charset="0"/>
+              </a:endParaRPr>
+            </a:p>
+          </p:txBody>
+        </p:sp>
+        <p:sp>
+          <p:nvSpPr>
+            <p:cNvPr id="20" name="テキスト ボックス 19">
+              <a:extLst>
+                <a:ext uri="{FF2B5EF4-FFF2-40B4-BE49-F238E27FC236}">
+                  <a16:creationId xmlns:a16="http://schemas.microsoft.com/office/drawing/2014/main" id="{5D7F816B-C020-4A25-8130-6F701B2E3348}"/>
+                </a:ext>
+              </a:extLst>
+            </p:cNvPr>
+            <p:cNvSpPr txBox="1"/>
+            <p:nvPr/>
+          </p:nvSpPr>
+          <p:spPr>
+            <a:xfrm>
+              <a:off x="5451507" y="3398396"/>
+              <a:ext cx="1013098" cy="400110"/>
+            </a:xfrm>
+            <a:prstGeom prst="rect">
+              <a:avLst/>
+            </a:prstGeom>
+            <a:solidFill>
+              <a:schemeClr val="bg1"/>
+            </a:solidFill>
+          </p:spPr>
+          <p:txBody>
+            <a:bodyPr wrap="square" rtlCol="0">
+              <a:spAutoFit/>
+            </a:bodyPr>
+            <a:lstStyle/>
+            <a:p>
+              <a:pPr algn="ctr"/>
+              <a:r>
+                <a:rPr kumimoji="1" lang="en-US" altLang="ja-JP" sz="2000" b="1" dirty="0">
+                  <a:latin typeface="Consolas" panose="020B0609020204030204" pitchFamily="49" charset="0"/>
+                </a:rPr>
+                <a:t>true</a:t>
+              </a:r>
+              <a:endParaRPr kumimoji="1" lang="ja-JP" altLang="en-US" sz="2000" b="1" dirty="0">
+                <a:latin typeface="Consolas" panose="020B0609020204030204" pitchFamily="49" charset="0"/>
+              </a:endParaRPr>
+            </a:p>
+          </p:txBody>
+        </p:sp>
+        <p:sp>
+          <p:nvSpPr>
+            <p:cNvPr id="21" name="テキスト ボックス 20">
+              <a:extLst>
+                <a:ext uri="{FF2B5EF4-FFF2-40B4-BE49-F238E27FC236}">
+                  <a16:creationId xmlns:a16="http://schemas.microsoft.com/office/drawing/2014/main" id="{D5EFCD1A-801F-4098-A7BA-0DF660D99B5A}"/>
+                </a:ext>
+              </a:extLst>
+            </p:cNvPr>
+            <p:cNvSpPr txBox="1"/>
+            <p:nvPr/>
+          </p:nvSpPr>
+          <p:spPr>
+            <a:xfrm>
+              <a:off x="8973866" y="3398396"/>
+              <a:ext cx="1013098" cy="400110"/>
+            </a:xfrm>
+            <a:prstGeom prst="rect">
+              <a:avLst/>
+            </a:prstGeom>
+            <a:solidFill>
+              <a:schemeClr val="bg1"/>
+            </a:solidFill>
+          </p:spPr>
+          <p:txBody>
+            <a:bodyPr wrap="square" rtlCol="0">
+              <a:spAutoFit/>
+            </a:bodyPr>
+            <a:lstStyle/>
+            <a:p>
+              <a:pPr algn="ctr"/>
+              <a:r>
+                <a:rPr lang="en-US" altLang="ja-JP" sz="2000" b="1" dirty="0">
+                  <a:latin typeface="Consolas" panose="020B0609020204030204" pitchFamily="49" charset="0"/>
+                </a:rPr>
+                <a:t>false</a:t>
+              </a:r>
+              <a:endParaRPr kumimoji="1" lang="ja-JP" altLang="en-US" sz="2000" b="1" dirty="0">
+                <a:latin typeface="Consolas" panose="020B0609020204030204" pitchFamily="49" charset="0"/>
+              </a:endParaRPr>
+            </a:p>
+          </p:txBody>
+        </p:sp>
+        <p:sp>
+          <p:nvSpPr>
+            <p:cNvPr id="22" name="テキスト ボックス 21">
+              <a:extLst>
+                <a:ext uri="{FF2B5EF4-FFF2-40B4-BE49-F238E27FC236}">
+                  <a16:creationId xmlns:a16="http://schemas.microsoft.com/office/drawing/2014/main" id="{A397B3EF-C1FB-4945-8443-40FD05A2FC29}"/>
+                </a:ext>
+              </a:extLst>
+            </p:cNvPr>
+            <p:cNvSpPr txBox="1"/>
+            <p:nvPr/>
+          </p:nvSpPr>
+          <p:spPr>
+            <a:xfrm>
+              <a:off x="7683286" y="3398396"/>
+              <a:ext cx="1013098" cy="400110"/>
+            </a:xfrm>
+            <a:prstGeom prst="rect">
+              <a:avLst/>
+            </a:prstGeom>
+            <a:solidFill>
+              <a:schemeClr val="bg1"/>
+            </a:solidFill>
+          </p:spPr>
+          <p:txBody>
+            <a:bodyPr wrap="square" rtlCol="0">
+              <a:spAutoFit/>
+            </a:bodyPr>
+            <a:lstStyle/>
+            <a:p>
+              <a:pPr algn="ctr"/>
+              <a:endParaRPr kumimoji="1" lang="ja-JP" altLang="en-US" sz="2000" b="1" dirty="0">
+                <a:latin typeface="Consolas" panose="020B0609020204030204" pitchFamily="49" charset="0"/>
+              </a:endParaRPr>
+            </a:p>
+          </p:txBody>
+        </p:sp>
+      </p:grpSp>
+    </p:spTree>
+    <p:extLst>
+      <p:ext uri="{BB962C8B-B14F-4D97-AF65-F5344CB8AC3E}">
+        <p14:creationId xmlns:p14="http://schemas.microsoft.com/office/powerpoint/2010/main" val="1325620703"/>
+      </p:ext>
+    </p:extLst>
+  </p:cSld>
+  <p:clrMapOvr>
+    <a:masterClrMapping/>
+  </p:clrMapOvr>
+</p:sld>
+</file>
+
 <file path=ppt/theme/theme1.xml><?xml version="1.0" encoding="utf-8"?>
 <a:theme xmlns:a="http://schemas.openxmlformats.org/drawingml/2006/main" name="Office テーマ">
   <a:themeElements>
